--- a/Presentations/JournalClub1.pptx
+++ b/Presentations/JournalClub1.pptx
@@ -5,37 +5,43 @@
     <p:sldMasterId id="2147483648" r:id="rId1"/>
   </p:sldMasterIdLst>
   <p:notesMasterIdLst>
-    <p:notesMasterId r:id="rId30"/>
+    <p:notesMasterId r:id="rId36"/>
   </p:notesMasterIdLst>
   <p:sldIdLst>
-    <p:sldId id="267" r:id="rId2"/>
-    <p:sldId id="256" r:id="rId3"/>
-    <p:sldId id="266" r:id="rId4"/>
-    <p:sldId id="257" r:id="rId5"/>
-    <p:sldId id="260" r:id="rId6"/>
-    <p:sldId id="261" r:id="rId7"/>
-    <p:sldId id="263" r:id="rId8"/>
-    <p:sldId id="262" r:id="rId9"/>
-    <p:sldId id="259" r:id="rId10"/>
-    <p:sldId id="258" r:id="rId11"/>
-    <p:sldId id="264" r:id="rId12"/>
-    <p:sldId id="273" r:id="rId13"/>
-    <p:sldId id="271" r:id="rId14"/>
-    <p:sldId id="274" r:id="rId15"/>
-    <p:sldId id="269" r:id="rId16"/>
-    <p:sldId id="276" r:id="rId17"/>
-    <p:sldId id="277" r:id="rId18"/>
-    <p:sldId id="278" r:id="rId19"/>
+    <p:sldId id="256" r:id="rId2"/>
+    <p:sldId id="264" r:id="rId3"/>
+    <p:sldId id="260" r:id="rId4"/>
+    <p:sldId id="261" r:id="rId5"/>
+    <p:sldId id="263" r:id="rId6"/>
+    <p:sldId id="262" r:id="rId7"/>
+    <p:sldId id="259" r:id="rId8"/>
+    <p:sldId id="258" r:id="rId9"/>
+    <p:sldId id="257" r:id="rId10"/>
+    <p:sldId id="273" r:id="rId11"/>
+    <p:sldId id="293" r:id="rId12"/>
+    <p:sldId id="271" r:id="rId13"/>
+    <p:sldId id="274" r:id="rId14"/>
+    <p:sldId id="269" r:id="rId15"/>
+    <p:sldId id="276" r:id="rId16"/>
+    <p:sldId id="277" r:id="rId17"/>
+    <p:sldId id="278" r:id="rId18"/>
+    <p:sldId id="291" r:id="rId19"/>
     <p:sldId id="279" r:id="rId20"/>
     <p:sldId id="280" r:id="rId21"/>
     <p:sldId id="281" r:id="rId22"/>
     <p:sldId id="283" r:id="rId23"/>
     <p:sldId id="265" r:id="rId24"/>
     <p:sldId id="284" r:id="rId25"/>
-    <p:sldId id="275" r:id="rId26"/>
+    <p:sldId id="290" r:id="rId26"/>
     <p:sldId id="282" r:id="rId27"/>
-    <p:sldId id="270" r:id="rId28"/>
-    <p:sldId id="268" r:id="rId29"/>
+    <p:sldId id="285" r:id="rId28"/>
+    <p:sldId id="275" r:id="rId29"/>
+    <p:sldId id="268" r:id="rId30"/>
+    <p:sldId id="292" r:id="rId31"/>
+    <p:sldId id="288" r:id="rId32"/>
+    <p:sldId id="287" r:id="rId33"/>
+    <p:sldId id="289" r:id="rId34"/>
+    <p:sldId id="270" r:id="rId35"/>
   </p:sldIdLst>
   <p:sldSz cx="12192000" cy="6858000"/>
   <p:notesSz cx="6858000" cy="9144000"/>
@@ -134,6 +140,11 @@
       </a:defRPr>
     </a:lvl9pPr>
   </p:defaultTextStyle>
+  <p:extLst>
+    <p:ext uri="{EFAFB233-063F-42B5-8137-9DF3F51BA10A}">
+      <p15:sldGuideLst xmlns:p15="http://schemas.microsoft.com/office/powerpoint/2012/main"/>
+    </p:ext>
+  </p:extLst>
 </p:presentation>
 </file>
 
@@ -219,7 +230,7 @@
           <a:p>
             <a:fld id="{405C439D-A862-4F65-8104-5B73FE25DEDC}" type="datetimeFigureOut">
               <a:rPr lang="en-IE" smtClean="0"/>
-              <a:t>14/06/2022</a:t>
+              <a:t>16/06/2022</a:t>
             </a:fld>
             <a:endParaRPr lang="en-IE"/>
           </a:p>
@@ -532,7 +543,107 @@
           <a:lstStyle/>
           <a:p>
             <a:r>
-              <a:rPr lang="en-US" sz="1200" kern="1200" dirty="0" err="1" smtClean="0">
+              <a:rPr lang="en-US" dirty="0" smtClean="0"/>
+              <a:t>How to define</a:t>
+            </a:r>
+            <a:r>
+              <a:rPr lang="en-US" baseline="0" dirty="0" smtClean="0"/>
+              <a:t> how similar 2 </a:t>
+            </a:r>
+            <a:r>
+              <a:rPr lang="en-US" baseline="0" dirty="0" err="1" smtClean="0"/>
+              <a:t>miRnas</a:t>
+            </a:r>
+            <a:r>
+              <a:rPr lang="en-US" baseline="0" dirty="0" smtClean="0"/>
+              <a:t> are</a:t>
+            </a:r>
+            <a:endParaRPr lang="en-IE" dirty="0"/>
+          </a:p>
+        </p:txBody>
+      </p:sp>
+      <p:sp>
+        <p:nvSpPr>
+          <p:cNvPr id="4" name="Slide Number Placeholder 3"/>
+          <p:cNvSpPr>
+            <a:spLocks noGrp="1"/>
+          </p:cNvSpPr>
+          <p:nvPr>
+            <p:ph type="sldNum" sz="quarter" idx="10"/>
+          </p:nvPr>
+        </p:nvSpPr>
+        <p:spPr/>
+        <p:txBody>
+          <a:bodyPr/>
+          <a:lstStyle/>
+          <a:p>
+            <a:fld id="{76FFD98F-7343-48E5-A70F-2BEC22C28C9B}" type="slidenum">
+              <a:rPr lang="en-IE" smtClean="0"/>
+              <a:t>11</a:t>
+            </a:fld>
+            <a:endParaRPr lang="en-IE"/>
+          </a:p>
+        </p:txBody>
+      </p:sp>
+    </p:spTree>
+    <p:extLst>
+      <p:ext uri="{BB962C8B-B14F-4D97-AF65-F5344CB8AC3E}">
+        <p14:creationId xmlns:p14="http://schemas.microsoft.com/office/powerpoint/2010/main" val="3629078251"/>
+      </p:ext>
+    </p:extLst>
+  </p:cSld>
+  <p:clrMapOvr>
+    <a:masterClrMapping/>
+  </p:clrMapOvr>
+</p:notes>
+</file>
+
+<file path=ppt/notesSlides/notesSlide2.xml><?xml version="1.0" encoding="utf-8"?>
+<p:notes xmlns:a="http://schemas.openxmlformats.org/drawingml/2006/main" xmlns:r="http://schemas.openxmlformats.org/officeDocument/2006/relationships" xmlns:p="http://schemas.openxmlformats.org/presentationml/2006/main">
+  <p:cSld>
+    <p:spTree>
+      <p:nvGrpSpPr>
+        <p:cNvPr id="1" name=""/>
+        <p:cNvGrpSpPr/>
+        <p:nvPr/>
+      </p:nvGrpSpPr>
+      <p:grpSpPr>
+        <a:xfrm>
+          <a:off x="0" y="0"/>
+          <a:ext cx="0" cy="0"/>
+          <a:chOff x="0" y="0"/>
+          <a:chExt cx="0" cy="0"/>
+        </a:xfrm>
+      </p:grpSpPr>
+      <p:sp>
+        <p:nvSpPr>
+          <p:cNvPr id="2" name="Slide Image Placeholder 1"/>
+          <p:cNvSpPr>
+            <a:spLocks noGrp="1" noRot="1" noChangeAspect="1"/>
+          </p:cNvSpPr>
+          <p:nvPr>
+            <p:ph type="sldImg"/>
+          </p:nvPr>
+        </p:nvSpPr>
+        <p:spPr/>
+      </p:sp>
+      <p:sp>
+        <p:nvSpPr>
+          <p:cNvPr id="3" name="Notes Placeholder 2"/>
+          <p:cNvSpPr>
+            <a:spLocks noGrp="1"/>
+          </p:cNvSpPr>
+          <p:nvPr>
+            <p:ph type="body" idx="1"/>
+          </p:nvPr>
+        </p:nvSpPr>
+        <p:spPr/>
+        <p:txBody>
+          <a:bodyPr/>
+          <a:lstStyle/>
+          <a:p>
+            <a:r>
+              <a:rPr lang="en-IE" sz="1200" b="0" i="0" kern="1200" dirty="0" smtClean="0">
                 <a:solidFill>
                   <a:schemeClr val="tx1"/>
                 </a:solidFill>
@@ -541,10 +652,10 @@
                 <a:ea typeface="+mn-ea"/>
                 <a:cs typeface="+mn-cs"/>
               </a:rPr>
-              <a:t>Mircro</a:t>
-            </a:r>
-            <a:r>
-              <a:rPr lang="en-US" sz="1200" kern="1200" dirty="0" smtClean="0">
+              <a:t>The linear </a:t>
+            </a:r>
+            <a:r>
+              <a:rPr lang="en-IE" sz="1200" b="0" i="0" kern="1200" dirty="0" err="1" smtClean="0">
                 <a:solidFill>
                   <a:schemeClr val="tx1"/>
                 </a:solidFill>
@@ -553,10 +664,10 @@
                 <a:ea typeface="+mn-ea"/>
                 <a:cs typeface="+mn-cs"/>
               </a:rPr>
-              <a:t> RNA or miRNA are conserved small non-coding RNAs that play an important role in the regulation of gene expression, they are short nucleotide single stranded RNAs (</a:t>
-            </a:r>
-            <a:r>
-              <a:rPr lang="en-US" sz="1200" kern="1200" dirty="0" err="1" smtClean="0">
+              <a:t>neighborhood</a:t>
+            </a:r>
+            <a:r>
+              <a:rPr lang="en-IE" sz="1200" b="0" i="0" kern="1200" dirty="0" smtClean="0">
                 <a:solidFill>
                   <a:schemeClr val="tx1"/>
                 </a:solidFill>
@@ -565,10 +676,10 @@
                 <a:ea typeface="+mn-ea"/>
                 <a:cs typeface="+mn-cs"/>
               </a:rPr>
-              <a:t>ssRNAs</a:t>
-            </a:r>
-            <a:r>
-              <a:rPr lang="en-US" sz="1200" kern="1200" dirty="0" smtClean="0">
+              <a:t> similarity assumes </a:t>
+            </a:r>
+            <a:r>
+              <a:rPr lang="en-IE" sz="1200" b="0" i="0" kern="1200" dirty="0" err="1" smtClean="0">
                 <a:solidFill>
                   <a:schemeClr val="tx1"/>
                 </a:solidFill>
@@ -577,10 +688,10 @@
                 <a:ea typeface="+mn-ea"/>
                 <a:cs typeface="+mn-cs"/>
               </a:rPr>
-              <a:t>), between 14 and 33, with an average of 20 as </a:t>
-            </a:r>
-            <a:r>
-              <a:rPr lang="en-US" sz="1200" kern="1200" dirty="0" err="1" smtClean="0">
+              <a:t>thateach</a:t>
+            </a:r>
+            <a:r>
+              <a:rPr lang="en-IE" sz="1200" b="0" i="0" kern="1200" dirty="0" smtClean="0">
                 <a:solidFill>
                   <a:schemeClr val="tx1"/>
                 </a:solidFill>
@@ -589,10 +700,10 @@
                 <a:ea typeface="+mn-ea"/>
                 <a:cs typeface="+mn-cs"/>
               </a:rPr>
-              <a:t>MirBase</a:t>
-            </a:r>
-            <a:r>
-              <a:rPr lang="en-US" sz="1200" kern="1200" dirty="0" smtClean="0">
+              <a:t> data point can be reconstructed by the linear </a:t>
+            </a:r>
+            <a:r>
+              <a:rPr lang="en-IE" sz="1200" b="0" i="0" kern="1200" dirty="0" err="1" smtClean="0">
                 <a:solidFill>
                   <a:schemeClr val="tx1"/>
                 </a:solidFill>
@@ -601,17 +712,21 @@
                 <a:ea typeface="+mn-ea"/>
                 <a:cs typeface="+mn-cs"/>
               </a:rPr>
-              <a:t> suggest today. </a:t>
-            </a:r>
-            <a:endParaRPr lang="en-IE" sz="1200" kern="1200" dirty="0">
-              <a:solidFill>
-                <a:schemeClr val="tx1"/>
-              </a:solidFill>
-              <a:effectLst/>
-              <a:latin typeface="+mn-lt"/>
-              <a:ea typeface="+mn-ea"/>
-              <a:cs typeface="+mn-cs"/>
-            </a:endParaRPr>
+              <a:t>weightedsum</a:t>
+            </a:r>
+            <a:r>
+              <a:rPr lang="en-IE" sz="1200" b="0" i="0" kern="1200" dirty="0" smtClean="0">
+                <a:solidFill>
+                  <a:schemeClr val="tx1"/>
+                </a:solidFill>
+                <a:effectLst/>
+                <a:latin typeface="+mn-lt"/>
+                <a:ea typeface="+mn-ea"/>
+                <a:cs typeface="+mn-cs"/>
+              </a:rPr>
+              <a:t> of other data points.</a:t>
+            </a:r>
+            <a:endParaRPr lang="en-IE" dirty="0"/>
           </a:p>
         </p:txBody>
       </p:sp>
@@ -630,9 +745,9 @@
           <a:bodyPr/>
           <a:lstStyle/>
           <a:p>
-            <a:fld id="{DC523CBA-7B8A-4B7B-85F4-17415C8FC737}" type="slidenum">
+            <a:fld id="{76FFD98F-7343-48E5-A70F-2BEC22C28C9B}" type="slidenum">
               <a:rPr lang="en-IE" smtClean="0"/>
-              <a:t>1</a:t>
+              <a:t>25</a:t>
             </a:fld>
             <a:endParaRPr lang="en-IE"/>
           </a:p>
@@ -641,7 +756,7 @@
     </p:spTree>
     <p:extLst>
       <p:ext uri="{BB962C8B-B14F-4D97-AF65-F5344CB8AC3E}">
-        <p14:creationId xmlns:p14="http://schemas.microsoft.com/office/powerpoint/2010/main" val="1501997574"/>
+        <p14:creationId xmlns:p14="http://schemas.microsoft.com/office/powerpoint/2010/main" val="2777545552"/>
       </p:ext>
     </p:extLst>
   </p:cSld>
@@ -782,7 +897,7 @@
           <a:p>
             <a:fld id="{04E762A3-AF3D-4D20-98EA-C5881E34F3AF}" type="datetimeFigureOut">
               <a:rPr lang="en-IE" smtClean="0"/>
-              <a:t>14/06/2022</a:t>
+              <a:t>16/06/2022</a:t>
             </a:fld>
             <a:endParaRPr lang="en-IE"/>
           </a:p>
@@ -952,7 +1067,7 @@
           <a:p>
             <a:fld id="{04E762A3-AF3D-4D20-98EA-C5881E34F3AF}" type="datetimeFigureOut">
               <a:rPr lang="en-IE" smtClean="0"/>
-              <a:t>14/06/2022</a:t>
+              <a:t>16/06/2022</a:t>
             </a:fld>
             <a:endParaRPr lang="en-IE"/>
           </a:p>
@@ -1132,7 +1247,7 @@
           <a:p>
             <a:fld id="{04E762A3-AF3D-4D20-98EA-C5881E34F3AF}" type="datetimeFigureOut">
               <a:rPr lang="en-IE" smtClean="0"/>
-              <a:t>14/06/2022</a:t>
+              <a:t>16/06/2022</a:t>
             </a:fld>
             <a:endParaRPr lang="en-IE"/>
           </a:p>
@@ -1184,288 +1299,6 @@
     <p:extLst>
       <p:ext uri="{BB962C8B-B14F-4D97-AF65-F5344CB8AC3E}">
         <p14:creationId xmlns:p14="http://schemas.microsoft.com/office/powerpoint/2010/main" val="1305440268"/>
-      </p:ext>
-    </p:extLst>
-  </p:cSld>
-  <p:clrMapOvr>
-    <a:masterClrMapping/>
-  </p:clrMapOvr>
-</p:sldLayout>
-</file>
-
-<file path=ppt/slideLayouts/slideLayout12.xml><?xml version="1.0" encoding="utf-8"?>
-<p:sldLayout xmlns:a="http://schemas.openxmlformats.org/drawingml/2006/main" xmlns:r="http://schemas.openxmlformats.org/officeDocument/2006/relationships" xmlns:p="http://schemas.openxmlformats.org/presentationml/2006/main" userDrawn="1">
-  <p:cSld name="2_Title Slide">
-    <p:spTree>
-      <p:nvGrpSpPr>
-        <p:cNvPr id="1" name=""/>
-        <p:cNvGrpSpPr/>
-        <p:nvPr/>
-      </p:nvGrpSpPr>
-      <p:grpSpPr>
-        <a:xfrm>
-          <a:off x="0" y="0"/>
-          <a:ext cx="0" cy="0"/>
-          <a:chOff x="0" y="0"/>
-          <a:chExt cx="0" cy="0"/>
-        </a:xfrm>
-      </p:grpSpPr>
-      <p:sp>
-        <p:nvSpPr>
-          <p:cNvPr id="2" name="Title 1">
-            <a:extLst>
-              <a:ext uri="{FF2B5EF4-FFF2-40B4-BE49-F238E27FC236}">
-                <a16:creationId xmlns:a16="http://schemas.microsoft.com/office/drawing/2014/main" id="{73939497-F700-5E44-882E-8988BCA8F255}"/>
-              </a:ext>
-            </a:extLst>
-          </p:cNvPr>
-          <p:cNvSpPr>
-            <a:spLocks noGrp="1"/>
-          </p:cNvSpPr>
-          <p:nvPr>
-            <p:ph type="ctrTitle"/>
-          </p:nvPr>
-        </p:nvSpPr>
-        <p:spPr>
-          <a:xfrm>
-            <a:off x="778565" y="814250"/>
-            <a:ext cx="9144000" cy="756133"/>
-          </a:xfrm>
-          <a:prstGeom prst="rect">
-            <a:avLst/>
-          </a:prstGeom>
-        </p:spPr>
-        <p:txBody>
-          <a:bodyPr anchor="t"/>
-          <a:lstStyle>
-            <a:lvl1pPr algn="l">
-              <a:defRPr sz="4400" b="1" i="0" baseline="0">
-                <a:solidFill>
-                  <a:srgbClr val="4D1282"/>
-                </a:solidFill>
-                <a:latin typeface="Arial" panose="020B0604020202020204" pitchFamily="34" charset="0"/>
-              </a:defRPr>
-            </a:lvl1pPr>
-          </a:lstStyle>
-          <a:p>
-            <a:r>
-              <a:rPr lang="en-GB" dirty="0"/>
-              <a:t>Click to edit Master title style</a:t>
-            </a:r>
-            <a:endParaRPr lang="en-US" dirty="0"/>
-          </a:p>
-        </p:txBody>
-      </p:sp>
-      <p:sp>
-        <p:nvSpPr>
-          <p:cNvPr id="3" name="Subtitle 2">
-            <a:extLst>
-              <a:ext uri="{FF2B5EF4-FFF2-40B4-BE49-F238E27FC236}">
-                <a16:creationId xmlns:a16="http://schemas.microsoft.com/office/drawing/2014/main" id="{2BF0F459-975D-E841-8CC3-45ACD2192636}"/>
-              </a:ext>
-            </a:extLst>
-          </p:cNvPr>
-          <p:cNvSpPr>
-            <a:spLocks noGrp="1"/>
-          </p:cNvSpPr>
-          <p:nvPr>
-            <p:ph type="subTitle" idx="1"/>
-          </p:nvPr>
-        </p:nvSpPr>
-        <p:spPr>
-          <a:xfrm>
-            <a:off x="778565" y="1659077"/>
-            <a:ext cx="9144000" cy="487776"/>
-          </a:xfrm>
-          <a:prstGeom prst="rect">
-            <a:avLst/>
-          </a:prstGeom>
-        </p:spPr>
-        <p:txBody>
-          <a:bodyPr/>
-          <a:lstStyle>
-            <a:lvl1pPr marL="0" indent="0" algn="l">
-              <a:buNone/>
-              <a:defRPr sz="2400" baseline="0">
-                <a:solidFill>
-                  <a:srgbClr val="585858"/>
-                </a:solidFill>
-                <a:latin typeface="Arial" panose="020B0604020202020204" pitchFamily="34" charset="0"/>
-              </a:defRPr>
-            </a:lvl1pPr>
-            <a:lvl2pPr marL="457200" indent="0" algn="ctr">
-              <a:buNone/>
-              <a:defRPr sz="2000"/>
-            </a:lvl2pPr>
-            <a:lvl3pPr marL="914400" indent="0" algn="ctr">
-              <a:buNone/>
-              <a:defRPr sz="1800"/>
-            </a:lvl3pPr>
-            <a:lvl4pPr marL="1371600" indent="0" algn="ctr">
-              <a:buNone/>
-              <a:defRPr sz="1600"/>
-            </a:lvl4pPr>
-            <a:lvl5pPr marL="1828800" indent="0" algn="ctr">
-              <a:buNone/>
-              <a:defRPr sz="1600"/>
-            </a:lvl5pPr>
-            <a:lvl6pPr marL="2286000" indent="0" algn="ctr">
-              <a:buNone/>
-              <a:defRPr sz="1600"/>
-            </a:lvl6pPr>
-            <a:lvl7pPr marL="2743200" indent="0" algn="ctr">
-              <a:buNone/>
-              <a:defRPr sz="1600"/>
-            </a:lvl7pPr>
-            <a:lvl8pPr marL="3200400" indent="0" algn="ctr">
-              <a:buNone/>
-              <a:defRPr sz="1600"/>
-            </a:lvl8pPr>
-            <a:lvl9pPr marL="3657600" indent="0" algn="ctr">
-              <a:buNone/>
-              <a:defRPr sz="1600"/>
-            </a:lvl9pPr>
-          </a:lstStyle>
-          <a:p>
-            <a:r>
-              <a:rPr lang="en-GB" dirty="0"/>
-              <a:t>Click to edit Master subtitle style</a:t>
-            </a:r>
-            <a:endParaRPr lang="en-US" dirty="0"/>
-          </a:p>
-        </p:txBody>
-      </p:sp>
-      <p:sp>
-        <p:nvSpPr>
-          <p:cNvPr id="7" name="Text Placeholder 2">
-            <a:extLst>
-              <a:ext uri="{FF2B5EF4-FFF2-40B4-BE49-F238E27FC236}">
-                <a16:creationId xmlns:a16="http://schemas.microsoft.com/office/drawing/2014/main" id="{7ED1D9EF-488D-EE4B-80EC-3F1CF823CE7F}"/>
-              </a:ext>
-            </a:extLst>
-          </p:cNvPr>
-          <p:cNvSpPr>
-            <a:spLocks noGrp="1"/>
-          </p:cNvSpPr>
-          <p:nvPr>
-            <p:ph type="body" idx="10"/>
-          </p:nvPr>
-        </p:nvSpPr>
-        <p:spPr>
-          <a:xfrm>
-            <a:off x="778565" y="2235547"/>
-            <a:ext cx="9144000" cy="3598723"/>
-          </a:xfrm>
-          <a:prstGeom prst="rect">
-            <a:avLst/>
-          </a:prstGeom>
-        </p:spPr>
-        <p:txBody>
-          <a:bodyPr/>
-          <a:lstStyle>
-            <a:lvl1pPr marL="0" indent="0">
-              <a:buNone/>
-              <a:defRPr sz="2000" baseline="0">
-                <a:solidFill>
-                  <a:schemeClr val="tx1"/>
-                </a:solidFill>
-                <a:latin typeface="Arial" panose="020B0604020202020204" pitchFamily="34" charset="0"/>
-              </a:defRPr>
-            </a:lvl1pPr>
-            <a:lvl2pPr marL="457200" indent="0">
-              <a:buNone/>
-              <a:defRPr sz="2000">
-                <a:solidFill>
-                  <a:schemeClr val="tx1">
-                    <a:tint val="75000"/>
-                  </a:schemeClr>
-                </a:solidFill>
-              </a:defRPr>
-            </a:lvl2pPr>
-            <a:lvl3pPr marL="914400" indent="0">
-              <a:buNone/>
-              <a:defRPr sz="1800">
-                <a:solidFill>
-                  <a:schemeClr val="tx1">
-                    <a:tint val="75000"/>
-                  </a:schemeClr>
-                </a:solidFill>
-              </a:defRPr>
-            </a:lvl3pPr>
-            <a:lvl4pPr marL="1371600" indent="0">
-              <a:buNone/>
-              <a:defRPr sz="1600">
-                <a:solidFill>
-                  <a:schemeClr val="tx1">
-                    <a:tint val="75000"/>
-                  </a:schemeClr>
-                </a:solidFill>
-              </a:defRPr>
-            </a:lvl4pPr>
-            <a:lvl5pPr marL="1828800" indent="0">
-              <a:buNone/>
-              <a:defRPr sz="1600">
-                <a:solidFill>
-                  <a:schemeClr val="tx1">
-                    <a:tint val="75000"/>
-                  </a:schemeClr>
-                </a:solidFill>
-              </a:defRPr>
-            </a:lvl5pPr>
-            <a:lvl6pPr marL="2286000" indent="0">
-              <a:buNone/>
-              <a:defRPr sz="1600">
-                <a:solidFill>
-                  <a:schemeClr val="tx1">
-                    <a:tint val="75000"/>
-                  </a:schemeClr>
-                </a:solidFill>
-              </a:defRPr>
-            </a:lvl6pPr>
-            <a:lvl7pPr marL="2743200" indent="0">
-              <a:buNone/>
-              <a:defRPr sz="1600">
-                <a:solidFill>
-                  <a:schemeClr val="tx1">
-                    <a:tint val="75000"/>
-                  </a:schemeClr>
-                </a:solidFill>
-              </a:defRPr>
-            </a:lvl7pPr>
-            <a:lvl8pPr marL="3200400" indent="0">
-              <a:buNone/>
-              <a:defRPr sz="1600">
-                <a:solidFill>
-                  <a:schemeClr val="tx1">
-                    <a:tint val="75000"/>
-                  </a:schemeClr>
-                </a:solidFill>
-              </a:defRPr>
-            </a:lvl8pPr>
-            <a:lvl9pPr marL="3657600" indent="0">
-              <a:buNone/>
-              <a:defRPr sz="1600">
-                <a:solidFill>
-                  <a:schemeClr val="tx1">
-                    <a:tint val="75000"/>
-                  </a:schemeClr>
-                </a:solidFill>
-              </a:defRPr>
-            </a:lvl9pPr>
-          </a:lstStyle>
-          <a:p>
-            <a:pPr lvl="0"/>
-            <a:r>
-              <a:rPr lang="en-GB" dirty="0"/>
-              <a:t>Click to edit Master text styles</a:t>
-            </a:r>
-          </a:p>
-        </p:txBody>
-      </p:sp>
-    </p:spTree>
-    <p:extLst>
-      <p:ext uri="{BB962C8B-B14F-4D97-AF65-F5344CB8AC3E}">
-        <p14:creationId xmlns:p14="http://schemas.microsoft.com/office/powerpoint/2010/main" val="1550077727"/>
       </p:ext>
     </p:extLst>
   </p:cSld>
@@ -1584,7 +1417,7 @@
           <a:p>
             <a:fld id="{04E762A3-AF3D-4D20-98EA-C5881E34F3AF}" type="datetimeFigureOut">
               <a:rPr lang="en-IE" smtClean="0"/>
-              <a:t>14/06/2022</a:t>
+              <a:t>16/06/2022</a:t>
             </a:fld>
             <a:endParaRPr lang="en-IE"/>
           </a:p>
@@ -1830,7 +1663,7 @@
           <a:p>
             <a:fld id="{04E762A3-AF3D-4D20-98EA-C5881E34F3AF}" type="datetimeFigureOut">
               <a:rPr lang="en-IE" smtClean="0"/>
-              <a:t>14/06/2022</a:t>
+              <a:t>16/06/2022</a:t>
             </a:fld>
             <a:endParaRPr lang="en-IE"/>
           </a:p>
@@ -2062,7 +1895,7 @@
           <a:p>
             <a:fld id="{04E762A3-AF3D-4D20-98EA-C5881E34F3AF}" type="datetimeFigureOut">
               <a:rPr lang="en-IE" smtClean="0"/>
-              <a:t>14/06/2022</a:t>
+              <a:t>16/06/2022</a:t>
             </a:fld>
             <a:endParaRPr lang="en-IE"/>
           </a:p>
@@ -2429,7 +2262,7 @@
           <a:p>
             <a:fld id="{04E762A3-AF3D-4D20-98EA-C5881E34F3AF}" type="datetimeFigureOut">
               <a:rPr lang="en-IE" smtClean="0"/>
-              <a:t>14/06/2022</a:t>
+              <a:t>16/06/2022</a:t>
             </a:fld>
             <a:endParaRPr lang="en-IE"/>
           </a:p>
@@ -2547,7 +2380,7 @@
           <a:p>
             <a:fld id="{04E762A3-AF3D-4D20-98EA-C5881E34F3AF}" type="datetimeFigureOut">
               <a:rPr lang="en-IE" smtClean="0"/>
-              <a:t>14/06/2022</a:t>
+              <a:t>16/06/2022</a:t>
             </a:fld>
             <a:endParaRPr lang="en-IE"/>
           </a:p>
@@ -2642,7 +2475,7 @@
           <a:p>
             <a:fld id="{04E762A3-AF3D-4D20-98EA-C5881E34F3AF}" type="datetimeFigureOut">
               <a:rPr lang="en-IE" smtClean="0"/>
-              <a:t>14/06/2022</a:t>
+              <a:t>16/06/2022</a:t>
             </a:fld>
             <a:endParaRPr lang="en-IE"/>
           </a:p>
@@ -2919,7 +2752,7 @@
           <a:p>
             <a:fld id="{04E762A3-AF3D-4D20-98EA-C5881E34F3AF}" type="datetimeFigureOut">
               <a:rPr lang="en-IE" smtClean="0"/>
-              <a:t>14/06/2022</a:t>
+              <a:t>16/06/2022</a:t>
             </a:fld>
             <a:endParaRPr lang="en-IE"/>
           </a:p>
@@ -3172,7 +3005,7 @@
           <a:p>
             <a:fld id="{04E762A3-AF3D-4D20-98EA-C5881E34F3AF}" type="datetimeFigureOut">
               <a:rPr lang="en-IE" smtClean="0"/>
-              <a:t>14/06/2022</a:t>
+              <a:t>16/06/2022</a:t>
             </a:fld>
             <a:endParaRPr lang="en-IE"/>
           </a:p>
@@ -3385,7 +3218,7 @@
           <a:p>
             <a:fld id="{04E762A3-AF3D-4D20-98EA-C5881E34F3AF}" type="datetimeFigureOut">
               <a:rPr lang="en-IE" smtClean="0"/>
-              <a:t>14/06/2022</a:t>
+              <a:t>16/06/2022</a:t>
             </a:fld>
             <a:endParaRPr lang="en-IE"/>
           </a:p>
@@ -3489,7 +3322,6 @@
     <p:sldLayoutId id="2147483657" r:id="rId9"/>
     <p:sldLayoutId id="2147483658" r:id="rId10"/>
     <p:sldLayoutId id="2147483659" r:id="rId11"/>
-    <p:sldLayoutId id="2147483660" r:id="rId12"/>
   </p:sldLayoutIdLst>
   <p:txStyles>
     <p:titleStyle>
@@ -3793,110 +3625,715 @@
       </p:grpSpPr>
       <p:sp>
         <p:nvSpPr>
-          <p:cNvPr id="4" name="Text Placeholder 3">
-            <a:extLst>
-              <a:ext uri="{FF2B5EF4-FFF2-40B4-BE49-F238E27FC236}">
-                <a16:creationId xmlns:a16="http://schemas.microsoft.com/office/drawing/2014/main" id="{30858D23-5832-B244-A07F-C7350DADECF8}"/>
-              </a:ext>
-            </a:extLst>
-          </p:cNvPr>
-          <p:cNvSpPr>
-            <a:spLocks noGrp="1"/>
-          </p:cNvSpPr>
-          <p:nvPr>
-            <p:ph type="body" idx="10"/>
-          </p:nvPr>
-        </p:nvSpPr>
-        <p:spPr>
-          <a:xfrm>
-            <a:off x="1158393" y="1264877"/>
-            <a:ext cx="9144000" cy="4587283"/>
-          </a:xfrm>
-        </p:spPr>
+          <p:cNvPr id="2" name="Title 1"/>
+          <p:cNvSpPr>
+            <a:spLocks noGrp="1"/>
+          </p:cNvSpPr>
+          <p:nvPr>
+            <p:ph type="ctrTitle"/>
+          </p:nvPr>
+        </p:nvSpPr>
+        <p:spPr/>
         <p:txBody>
           <a:bodyPr>
             <a:normAutofit/>
           </a:bodyPr>
           <a:lstStyle/>
           <a:p>
-            <a:pPr marL="457200" indent="-457200">
-              <a:lnSpc>
-                <a:spcPct val="200000"/>
-              </a:lnSpc>
-              <a:buFont typeface="Arial" panose="020B0604020202020204" pitchFamily="34" charset="0"/>
-              <a:buChar char="•"/>
-            </a:pPr>
-            <a:endParaRPr lang="en-US" sz="2800" dirty="0">
-              <a:solidFill>
-                <a:schemeClr val="bg2">
-                  <a:lumMod val="10000"/>
-                </a:schemeClr>
-              </a:solidFill>
-              <a:latin typeface="+mn-lt"/>
-            </a:endParaRPr>
-          </a:p>
-        </p:txBody>
-      </p:sp>
-      <p:sp>
-        <p:nvSpPr>
-          <p:cNvPr id="5" name="Rectangle 4"/>
-          <p:cNvSpPr/>
-          <p:nvPr/>
-        </p:nvSpPr>
-        <p:spPr>
-          <a:xfrm>
-            <a:off x="10615786" y="6367361"/>
-            <a:ext cx="1398653" cy="369332"/>
-          </a:xfrm>
-          <a:prstGeom prst="rect">
-            <a:avLst/>
-          </a:prstGeom>
-        </p:spPr>
-        <p:txBody>
-          <a:bodyPr wrap="none">
-            <a:spAutoFit/>
-          </a:bodyPr>
-          <a:lstStyle/>
-          <a:p>
-            <a:r>
-              <a:rPr lang="en-US" dirty="0" err="1">
-                <a:latin typeface="Arial" panose="020B0604020202020204" pitchFamily="34" charset="0"/>
-                <a:ea typeface="Calibri" panose="020F0502020204030204" pitchFamily="34" charset="0"/>
-              </a:rPr>
-              <a:t>Yanai</a:t>
-            </a:r>
-            <a:r>
-              <a:rPr lang="en-US" dirty="0">
-                <a:latin typeface="Arial" panose="020B0604020202020204" pitchFamily="34" charset="0"/>
-                <a:ea typeface="Calibri" panose="020F0502020204030204" pitchFamily="34" charset="0"/>
-              </a:rPr>
-              <a:t>, 2020</a:t>
+            <a:r>
+              <a:rPr lang="en-IE" dirty="0"/>
+              <a:t>microRNA-diseases</a:t>
+            </a:r>
+            <a:br>
+              <a:rPr lang="en-IE" dirty="0"/>
+            </a:br>
+            <a:r>
+              <a:rPr lang="en-IE" dirty="0" smtClean="0"/>
+              <a:t>association and similarity</a:t>
             </a:r>
             <a:endParaRPr lang="en-IE" dirty="0"/>
           </a:p>
         </p:txBody>
       </p:sp>
+      <p:sp>
+        <p:nvSpPr>
+          <p:cNvPr id="3" name="Subtitle 2"/>
+          <p:cNvSpPr>
+            <a:spLocks noGrp="1"/>
+          </p:cNvSpPr>
+          <p:nvPr>
+            <p:ph type="subTitle" idx="1"/>
+          </p:nvPr>
+        </p:nvSpPr>
+        <p:spPr/>
+        <p:txBody>
+          <a:bodyPr/>
+          <a:lstStyle/>
+          <a:p>
+            <a:r>
+              <a:rPr lang="en-US" dirty="0" smtClean="0"/>
+              <a:t>Evolution of a single approach…</a:t>
+            </a:r>
+          </a:p>
+          <a:p>
+            <a:r>
+              <a:rPr lang="en-US" dirty="0" smtClean="0"/>
+              <a:t>2010-2021</a:t>
+            </a:r>
+            <a:endParaRPr lang="en-IE" dirty="0"/>
+          </a:p>
+        </p:txBody>
+      </p:sp>
     </p:spTree>
-    <p:custDataLst>
-      <p:tags r:id="rId1"/>
-    </p:custDataLst>
     <p:extLst>
       <p:ext uri="{BB962C8B-B14F-4D97-AF65-F5344CB8AC3E}">
-        <p14:creationId xmlns:p14="http://schemas.microsoft.com/office/powerpoint/2010/main" val="4182073361"/>
+        <p14:creationId xmlns:p14="http://schemas.microsoft.com/office/powerpoint/2010/main" val="1372521397"/>
       </p:ext>
     </p:extLst>
   </p:cSld>
   <p:clrMapOvr>
     <a:masterClrMapping/>
   </p:clrMapOvr>
-  <mc:AlternateContent xmlns:mc="http://schemas.openxmlformats.org/markup-compatibility/2006" xmlns:p14="http://schemas.microsoft.com/office/powerpoint/2010/main">
-    <mc:Choice Requires="p14">
-      <p:transition spd="slow" p14:dur="2000"/>
-    </mc:Choice>
-    <mc:Fallback xmlns="">
-      <p:transition spd="slow"/>
-    </mc:Fallback>
-  </mc:AlternateContent>
+  <p:timing>
+    <p:tnLst>
+      <p:par>
+        <p:cTn id="1" dur="indefinite" restart="never" nodeType="tmRoot"/>
+      </p:par>
+    </p:tnLst>
+  </p:timing>
+</p:sld>
+</file>
+
+<file path=ppt/slides/slide10.xml><?xml version="1.0" encoding="utf-8"?>
+<p:sld xmlns:a="http://schemas.openxmlformats.org/drawingml/2006/main" xmlns:r="http://schemas.openxmlformats.org/officeDocument/2006/relationships" xmlns:p="http://schemas.openxmlformats.org/presentationml/2006/main">
+  <p:cSld>
+    <p:spTree>
+      <p:nvGrpSpPr>
+        <p:cNvPr id="1" name=""/>
+        <p:cNvGrpSpPr/>
+        <p:nvPr/>
+      </p:nvGrpSpPr>
+      <p:grpSpPr>
+        <a:xfrm>
+          <a:off x="0" y="0"/>
+          <a:ext cx="0" cy="0"/>
+          <a:chOff x="0" y="0"/>
+          <a:chExt cx="0" cy="0"/>
+        </a:xfrm>
+      </p:grpSpPr>
+      <p:sp>
+        <p:nvSpPr>
+          <p:cNvPr id="2" name="Title 1"/>
+          <p:cNvSpPr>
+            <a:spLocks noGrp="1"/>
+          </p:cNvSpPr>
+          <p:nvPr>
+            <p:ph type="ctrTitle"/>
+          </p:nvPr>
+        </p:nvSpPr>
+        <p:spPr>
+          <a:xfrm>
+            <a:off x="1328057" y="2350272"/>
+            <a:ext cx="9144000" cy="2387600"/>
+          </a:xfrm>
+        </p:spPr>
+        <p:txBody>
+          <a:bodyPr/>
+          <a:lstStyle/>
+          <a:p>
+            <a:r>
+              <a:rPr lang="en-US" dirty="0" smtClean="0"/>
+              <a:t>Similarity function among miRNAs</a:t>
+            </a:r>
+            <a:endParaRPr lang="en-IE" dirty="0"/>
+          </a:p>
+        </p:txBody>
+      </p:sp>
+      <p:sp>
+        <p:nvSpPr>
+          <p:cNvPr id="5" name="Subtitle 4"/>
+          <p:cNvSpPr>
+            <a:spLocks noGrp="1"/>
+          </p:cNvSpPr>
+          <p:nvPr>
+            <p:ph type="subTitle" idx="1"/>
+          </p:nvPr>
+        </p:nvSpPr>
+        <p:spPr>
+          <a:xfrm>
+            <a:off x="0" y="2021433"/>
+            <a:ext cx="9144000" cy="929730"/>
+          </a:xfrm>
+        </p:spPr>
+        <p:txBody>
+          <a:bodyPr>
+            <a:normAutofit/>
+          </a:bodyPr>
+          <a:lstStyle/>
+          <a:p>
+            <a:pPr algn="l"/>
+            <a:r>
+              <a:rPr lang="en-US" sz="4000" dirty="0" smtClean="0"/>
+              <a:t>Part 1</a:t>
+            </a:r>
+            <a:endParaRPr lang="en-IE" sz="4000" dirty="0"/>
+          </a:p>
+        </p:txBody>
+      </p:sp>
+    </p:spTree>
+    <p:extLst>
+      <p:ext uri="{BB962C8B-B14F-4D97-AF65-F5344CB8AC3E}">
+        <p14:creationId xmlns:p14="http://schemas.microsoft.com/office/powerpoint/2010/main" val="3741866317"/>
+      </p:ext>
+    </p:extLst>
+  </p:cSld>
+  <p:clrMapOvr>
+    <a:masterClrMapping/>
+  </p:clrMapOvr>
+  <p:timing>
+    <p:tnLst>
+      <p:par>
+        <p:cTn id="1" dur="indefinite" restart="never" nodeType="tmRoot"/>
+      </p:par>
+    </p:tnLst>
+  </p:timing>
+</p:sld>
+</file>
+
+<file path=ppt/slides/slide11.xml><?xml version="1.0" encoding="utf-8"?>
+<p:sld xmlns:a="http://schemas.openxmlformats.org/drawingml/2006/main" xmlns:r="http://schemas.openxmlformats.org/officeDocument/2006/relationships" xmlns:p="http://schemas.openxmlformats.org/presentationml/2006/main">
+  <p:cSld>
+    <p:spTree>
+      <p:nvGrpSpPr>
+        <p:cNvPr id="1" name=""/>
+        <p:cNvGrpSpPr/>
+        <p:nvPr/>
+      </p:nvGrpSpPr>
+      <p:grpSpPr>
+        <a:xfrm>
+          <a:off x="0" y="0"/>
+          <a:ext cx="0" cy="0"/>
+          <a:chOff x="0" y="0"/>
+          <a:chExt cx="0" cy="0"/>
+        </a:xfrm>
+      </p:grpSpPr>
+      <p:sp>
+        <p:nvSpPr>
+          <p:cNvPr id="4" name="Rectangle 1"/>
+          <p:cNvSpPr>
+            <a:spLocks noGrp="1" noChangeArrowheads="1"/>
+          </p:cNvSpPr>
+          <p:nvPr>
+            <p:ph idx="1"/>
+          </p:nvPr>
+        </p:nvSpPr>
+        <p:spPr bwMode="auto">
+          <a:xfrm>
+            <a:off x="838200" y="134440"/>
+            <a:ext cx="10623421" cy="584775"/>
+          </a:xfrm>
+          <a:prstGeom prst="rect">
+            <a:avLst/>
+          </a:prstGeom>
+          <a:noFill/>
+          <a:ln>
+            <a:noFill/>
+          </a:ln>
+          <a:effectLst/>
+          <a:extLst>
+            <a:ext uri="{909E8E84-426E-40DD-AFC4-6F175D3DCCD1}">
+              <a14:hiddenFill xmlns:a14="http://schemas.microsoft.com/office/drawing/2010/main">
+                <a:solidFill>
+                  <a:schemeClr val="accent1"/>
+                </a:solidFill>
+              </a14:hiddenFill>
+            </a:ext>
+            <a:ext uri="{91240B29-F687-4F45-9708-019B960494DF}">
+              <a14:hiddenLine xmlns:a14="http://schemas.microsoft.com/office/drawing/2010/main" w="9525">
+                <a:solidFill>
+                  <a:schemeClr val="tx1"/>
+                </a:solidFill>
+                <a:miter lim="800000"/>
+                <a:headEnd/>
+                <a:tailEnd/>
+              </a14:hiddenLine>
+            </a:ext>
+            <a:ext uri="{AF507438-7753-43E0-B8FC-AC1667EBCBE1}">
+              <a14:hiddenEffects xmlns:a14="http://schemas.microsoft.com/office/drawing/2010/main">
+                <a:effectLst>
+                  <a:outerShdw dist="35921" dir="2700000" algn="ctr" rotWithShape="0">
+                    <a:schemeClr val="bg2"/>
+                  </a:outerShdw>
+                </a:effectLst>
+              </a14:hiddenEffects>
+            </a:ext>
+          </a:extLst>
+        </p:spPr>
+        <p:txBody>
+          <a:bodyPr vert="horz" wrap="none" lIns="91440" tIns="45720" rIns="91440" bIns="45720" numCol="1" anchor="ctr" anchorCtr="0" compatLnSpc="1">
+            <a:prstTxWarp prst="textNoShape">
+              <a:avLst/>
+            </a:prstTxWarp>
+            <a:spAutoFit/>
+          </a:bodyPr>
+          <a:lstStyle/>
+          <a:p>
+            <a:pPr marL="0" marR="0" lvl="0" indent="0" algn="l" defTabSz="914400" rtl="0" eaLnBrk="0" fontAlgn="base" latinLnBrk="0" hangingPunct="0">
+              <a:lnSpc>
+                <a:spcPct val="100000"/>
+              </a:lnSpc>
+              <a:spcBef>
+                <a:spcPct val="0"/>
+              </a:spcBef>
+              <a:spcAft>
+                <a:spcPct val="0"/>
+              </a:spcAft>
+              <a:buClrTx/>
+              <a:buSzTx/>
+              <a:buFontTx/>
+              <a:buNone/>
+              <a:tabLst/>
+            </a:pPr>
+            <a:r>
+              <a:rPr kumimoji="0" lang="en-US" altLang="en-US" sz="1600" b="0" i="0" u="none" strike="noStrike" cap="none" normalizeH="0" baseline="0" dirty="0" smtClean="0">
+                <a:ln>
+                  <a:noFill/>
+                </a:ln>
+                <a:solidFill>
+                  <a:srgbClr val="000000"/>
+                </a:solidFill>
+                <a:effectLst/>
+                <a:latin typeface="Arial Unicode MS"/>
+              </a:rPr>
+              <a:t>&gt;hsa-mir-1-1</a:t>
+            </a:r>
+          </a:p>
+          <a:p>
+            <a:pPr marL="0" marR="0" lvl="0" indent="0" algn="l" defTabSz="914400" rtl="0" eaLnBrk="0" fontAlgn="base" latinLnBrk="0" hangingPunct="0">
+              <a:lnSpc>
+                <a:spcPct val="100000"/>
+              </a:lnSpc>
+              <a:spcBef>
+                <a:spcPct val="0"/>
+              </a:spcBef>
+              <a:spcAft>
+                <a:spcPct val="0"/>
+              </a:spcAft>
+              <a:buClrTx/>
+              <a:buSzTx/>
+              <a:buFontTx/>
+              <a:buNone/>
+              <a:tabLst/>
+            </a:pPr>
+            <a:r>
+              <a:rPr kumimoji="0" lang="en-US" altLang="en-US" sz="1600" b="0" i="0" u="none" strike="noStrike" cap="none" normalizeH="0" baseline="0" dirty="0" smtClean="0">
+                <a:ln>
+                  <a:noFill/>
+                </a:ln>
+                <a:solidFill>
+                  <a:srgbClr val="000000"/>
+                </a:solidFill>
+                <a:effectLst/>
+                <a:latin typeface="Arial Unicode MS"/>
+              </a:rPr>
+              <a:t>UGGGAAACAUACUUCUUUAUAUGCCCAUAUGGACCUGCUAAGCUAUGGAAUGUAAAGAAGUAUGUAUCUCA</a:t>
+            </a:r>
+            <a:r>
+              <a:rPr kumimoji="0" lang="en-US" altLang="en-US" sz="1600" b="0" i="0" u="none" strike="noStrike" cap="none" normalizeH="0" baseline="0" dirty="0" smtClean="0">
+                <a:ln>
+                  <a:noFill/>
+                </a:ln>
+                <a:solidFill>
+                  <a:schemeClr val="tx1"/>
+                </a:solidFill>
+                <a:effectLst/>
+              </a:rPr>
+              <a:t> </a:t>
+            </a:r>
+            <a:endParaRPr kumimoji="0" lang="en-US" altLang="en-US" sz="1600" b="0" i="0" u="none" strike="noStrike" cap="none" normalizeH="0" baseline="0" dirty="0" smtClean="0">
+              <a:ln>
+                <a:noFill/>
+              </a:ln>
+              <a:solidFill>
+                <a:schemeClr val="tx1"/>
+              </a:solidFill>
+              <a:effectLst/>
+              <a:latin typeface="Arial" panose="020B0604020202020204" pitchFamily="34" charset="0"/>
+            </a:endParaRPr>
+          </a:p>
+        </p:txBody>
+      </p:sp>
+      <p:sp>
+        <p:nvSpPr>
+          <p:cNvPr id="5" name="Rectangle 2"/>
+          <p:cNvSpPr>
+            <a:spLocks noChangeArrowheads="1"/>
+          </p:cNvSpPr>
+          <p:nvPr/>
+        </p:nvSpPr>
+        <p:spPr bwMode="auto">
+          <a:xfrm>
+            <a:off x="851024" y="1071158"/>
+            <a:ext cx="10610597" cy="830997"/>
+          </a:xfrm>
+          <a:prstGeom prst="rect">
+            <a:avLst/>
+          </a:prstGeom>
+          <a:noFill/>
+          <a:ln>
+            <a:noFill/>
+          </a:ln>
+          <a:effectLst/>
+          <a:extLst>
+            <a:ext uri="{909E8E84-426E-40DD-AFC4-6F175D3DCCD1}">
+              <a14:hiddenFill xmlns:a14="http://schemas.microsoft.com/office/drawing/2010/main">
+                <a:solidFill>
+                  <a:schemeClr val="accent1"/>
+                </a:solidFill>
+              </a14:hiddenFill>
+            </a:ext>
+            <a:ext uri="{91240B29-F687-4F45-9708-019B960494DF}">
+              <a14:hiddenLine xmlns:a14="http://schemas.microsoft.com/office/drawing/2010/main" w="9525">
+                <a:solidFill>
+                  <a:schemeClr val="tx1"/>
+                </a:solidFill>
+                <a:miter lim="800000"/>
+                <a:headEnd/>
+                <a:tailEnd/>
+              </a14:hiddenLine>
+            </a:ext>
+            <a:ext uri="{AF507438-7753-43E0-B8FC-AC1667EBCBE1}">
+              <a14:hiddenEffects xmlns:a14="http://schemas.microsoft.com/office/drawing/2010/main">
+                <a:effectLst>
+                  <a:outerShdw dist="35921" dir="2700000" algn="ctr" rotWithShape="0">
+                    <a:schemeClr val="bg2"/>
+                  </a:outerShdw>
+                </a:effectLst>
+              </a14:hiddenEffects>
+            </a:ext>
+          </a:extLst>
+        </p:spPr>
+        <p:txBody>
+          <a:bodyPr vert="horz" wrap="none" lIns="91440" tIns="45720" rIns="91440" bIns="45720" numCol="1" anchor="ctr" anchorCtr="0" compatLnSpc="1">
+            <a:prstTxWarp prst="textNoShape">
+              <a:avLst/>
+            </a:prstTxWarp>
+            <a:spAutoFit/>
+          </a:bodyPr>
+          <a:lstStyle/>
+          <a:p>
+            <a:pPr marL="0" marR="0" lvl="0" indent="0" algn="l" defTabSz="914400" rtl="0" eaLnBrk="0" fontAlgn="base" latinLnBrk="0" hangingPunct="0">
+              <a:lnSpc>
+                <a:spcPct val="100000"/>
+              </a:lnSpc>
+              <a:spcBef>
+                <a:spcPct val="0"/>
+              </a:spcBef>
+              <a:spcAft>
+                <a:spcPct val="0"/>
+              </a:spcAft>
+              <a:buClrTx/>
+              <a:buSzTx/>
+              <a:buFontTx/>
+              <a:buNone/>
+              <a:tabLst/>
+            </a:pPr>
+            <a:r>
+              <a:rPr kumimoji="0" lang="en-US" altLang="en-US" sz="1600" b="0" i="0" u="none" strike="noStrike" cap="none" normalizeH="0" baseline="0" dirty="0" smtClean="0">
+                <a:ln>
+                  <a:noFill/>
+                </a:ln>
+                <a:solidFill>
+                  <a:srgbClr val="000000"/>
+                </a:solidFill>
+                <a:effectLst/>
+                <a:latin typeface="Arial Unicode MS"/>
+              </a:rPr>
+              <a:t>&gt;hsa-mir-133a-1 </a:t>
+            </a:r>
+          </a:p>
+          <a:p>
+            <a:pPr marL="0" marR="0" lvl="0" indent="0" algn="l" defTabSz="914400" rtl="0" eaLnBrk="0" fontAlgn="base" latinLnBrk="0" hangingPunct="0">
+              <a:lnSpc>
+                <a:spcPct val="100000"/>
+              </a:lnSpc>
+              <a:spcBef>
+                <a:spcPct val="0"/>
+              </a:spcBef>
+              <a:spcAft>
+                <a:spcPct val="0"/>
+              </a:spcAft>
+              <a:buClrTx/>
+              <a:buSzTx/>
+              <a:buFontTx/>
+              <a:buNone/>
+              <a:tabLst/>
+            </a:pPr>
+            <a:r>
+              <a:rPr kumimoji="0" lang="en-US" altLang="en-US" sz="1600" b="0" i="0" u="none" strike="noStrike" cap="none" normalizeH="0" baseline="0" dirty="0" smtClean="0">
+                <a:ln>
+                  <a:noFill/>
+                </a:ln>
+                <a:solidFill>
+                  <a:srgbClr val="000000"/>
+                </a:solidFill>
+                <a:effectLst/>
+                <a:latin typeface="Arial Unicode MS"/>
+              </a:rPr>
+              <a:t>ACAAUGCUUUGCUAGAGCUGGUAAAAUGGAACCAAAUCGCCUCUUCAAUGGAUUUGGUCCCCUUCAACCAG</a:t>
+            </a:r>
+          </a:p>
+          <a:p>
+            <a:pPr marL="0" marR="0" lvl="0" indent="0" algn="l" defTabSz="914400" rtl="0" eaLnBrk="0" fontAlgn="base" latinLnBrk="0" hangingPunct="0">
+              <a:lnSpc>
+                <a:spcPct val="100000"/>
+              </a:lnSpc>
+              <a:spcBef>
+                <a:spcPct val="0"/>
+              </a:spcBef>
+              <a:spcAft>
+                <a:spcPct val="0"/>
+              </a:spcAft>
+              <a:buClrTx/>
+              <a:buSzTx/>
+              <a:buFontTx/>
+              <a:buNone/>
+              <a:tabLst/>
+            </a:pPr>
+            <a:r>
+              <a:rPr kumimoji="0" lang="en-US" altLang="en-US" sz="1600" b="0" i="0" u="none" strike="noStrike" cap="none" normalizeH="0" baseline="0" dirty="0" smtClean="0">
+                <a:ln>
+                  <a:noFill/>
+                </a:ln>
+                <a:solidFill>
+                  <a:srgbClr val="000000"/>
+                </a:solidFill>
+                <a:effectLst/>
+                <a:latin typeface="Arial Unicode MS"/>
+              </a:rPr>
+              <a:t>CUGUAGCUAUGCAUUGA</a:t>
+            </a:r>
+            <a:r>
+              <a:rPr kumimoji="0" lang="en-US" altLang="en-US" sz="1600" b="0" i="0" u="none" strike="noStrike" cap="none" normalizeH="0" baseline="0" dirty="0" smtClean="0">
+                <a:ln>
+                  <a:noFill/>
+                </a:ln>
+                <a:solidFill>
+                  <a:schemeClr val="tx1"/>
+                </a:solidFill>
+                <a:effectLst/>
+              </a:rPr>
+              <a:t> </a:t>
+            </a:r>
+            <a:endParaRPr kumimoji="0" lang="en-US" altLang="en-US" sz="1600" b="0" i="0" u="none" strike="noStrike" cap="none" normalizeH="0" baseline="0" dirty="0" smtClean="0">
+              <a:ln>
+                <a:noFill/>
+              </a:ln>
+              <a:solidFill>
+                <a:schemeClr val="tx1"/>
+              </a:solidFill>
+              <a:effectLst/>
+              <a:latin typeface="Arial" panose="020B0604020202020204" pitchFamily="34" charset="0"/>
+            </a:endParaRPr>
+          </a:p>
+        </p:txBody>
+      </p:sp>
+      <p:sp>
+        <p:nvSpPr>
+          <p:cNvPr id="6" name="Rectangle 5"/>
+          <p:cNvSpPr/>
+          <p:nvPr/>
+        </p:nvSpPr>
+        <p:spPr>
+          <a:xfrm>
+            <a:off x="1219201" y="2995000"/>
+            <a:ext cx="2632363" cy="646331"/>
+          </a:xfrm>
+          <a:prstGeom prst="rect">
+            <a:avLst/>
+          </a:prstGeom>
+        </p:spPr>
+        <p:txBody>
+          <a:bodyPr wrap="square">
+            <a:spAutoFit/>
+          </a:bodyPr>
+          <a:lstStyle/>
+          <a:p>
+            <a:pPr algn="ctr"/>
+            <a:r>
+              <a:rPr lang="en-IE" dirty="0" err="1">
+                <a:solidFill>
+                  <a:srgbClr val="000000"/>
+                </a:solidFill>
+                <a:latin typeface="Roboto"/>
+              </a:rPr>
+              <a:t>Levenshtein</a:t>
+            </a:r>
+            <a:r>
+              <a:rPr lang="en-IE" dirty="0">
+                <a:solidFill>
+                  <a:srgbClr val="000000"/>
+                </a:solidFill>
+                <a:latin typeface="Roboto"/>
+              </a:rPr>
+              <a:t> Distance</a:t>
+            </a:r>
+          </a:p>
+          <a:p>
+            <a:pPr algn="ctr"/>
+            <a:r>
+              <a:rPr lang="en-IE" dirty="0">
+                <a:solidFill>
+                  <a:srgbClr val="000000"/>
+                </a:solidFill>
+                <a:latin typeface="Roboto"/>
+              </a:rPr>
+              <a:t>47</a:t>
+            </a:r>
+            <a:endParaRPr lang="en-IE" b="0" i="0" dirty="0">
+              <a:solidFill>
+                <a:srgbClr val="000000"/>
+              </a:solidFill>
+              <a:effectLst/>
+              <a:latin typeface="Roboto"/>
+            </a:endParaRPr>
+          </a:p>
+        </p:txBody>
+      </p:sp>
+      <p:sp>
+        <p:nvSpPr>
+          <p:cNvPr id="7" name="Rectangle 6"/>
+          <p:cNvSpPr/>
+          <p:nvPr/>
+        </p:nvSpPr>
+        <p:spPr>
+          <a:xfrm>
+            <a:off x="4100948" y="2995000"/>
+            <a:ext cx="2632363" cy="646331"/>
+          </a:xfrm>
+          <a:prstGeom prst="rect">
+            <a:avLst/>
+          </a:prstGeom>
+        </p:spPr>
+        <p:txBody>
+          <a:bodyPr wrap="square">
+            <a:spAutoFit/>
+          </a:bodyPr>
+          <a:lstStyle/>
+          <a:p>
+            <a:pPr algn="ctr"/>
+            <a:r>
+              <a:rPr lang="en-US" b="0" i="0" dirty="0" smtClean="0">
+                <a:solidFill>
+                  <a:srgbClr val="000000"/>
+                </a:solidFill>
+                <a:effectLst/>
+                <a:latin typeface="Roboto"/>
+              </a:rPr>
+              <a:t>Families</a:t>
+            </a:r>
+          </a:p>
+          <a:p>
+            <a:pPr algn="ctr"/>
+            <a:r>
+              <a:rPr lang="en-US" dirty="0" err="1" smtClean="0">
+                <a:solidFill>
+                  <a:srgbClr val="000000"/>
+                </a:solidFill>
+                <a:latin typeface="Roboto"/>
+              </a:rPr>
+              <a:t>MioMirs</a:t>
+            </a:r>
+            <a:endParaRPr lang="en-IE" b="0" i="0" dirty="0">
+              <a:solidFill>
+                <a:srgbClr val="000000"/>
+              </a:solidFill>
+              <a:effectLst/>
+              <a:latin typeface="Roboto"/>
+            </a:endParaRPr>
+          </a:p>
+        </p:txBody>
+      </p:sp>
+      <p:sp>
+        <p:nvSpPr>
+          <p:cNvPr id="8" name="Rectangle 7"/>
+          <p:cNvSpPr/>
+          <p:nvPr/>
+        </p:nvSpPr>
+        <p:spPr>
+          <a:xfrm>
+            <a:off x="6982695" y="2995000"/>
+            <a:ext cx="2632363" cy="646331"/>
+          </a:xfrm>
+          <a:prstGeom prst="rect">
+            <a:avLst/>
+          </a:prstGeom>
+        </p:spPr>
+        <p:txBody>
+          <a:bodyPr wrap="square">
+            <a:spAutoFit/>
+          </a:bodyPr>
+          <a:lstStyle/>
+          <a:p>
+            <a:pPr algn="ctr"/>
+            <a:r>
+              <a:rPr lang="en-US" b="0" i="0" dirty="0" smtClean="0">
+                <a:solidFill>
+                  <a:srgbClr val="000000"/>
+                </a:solidFill>
+                <a:effectLst/>
+                <a:latin typeface="Roboto"/>
+              </a:rPr>
+              <a:t>Expression under certain condition</a:t>
+            </a:r>
+          </a:p>
+        </p:txBody>
+      </p:sp>
+      <p:sp>
+        <p:nvSpPr>
+          <p:cNvPr id="9" name="Rectangle 8"/>
+          <p:cNvSpPr/>
+          <p:nvPr/>
+        </p:nvSpPr>
+        <p:spPr>
+          <a:xfrm>
+            <a:off x="4100948" y="4364844"/>
+            <a:ext cx="2632363" cy="369332"/>
+          </a:xfrm>
+          <a:prstGeom prst="rect">
+            <a:avLst/>
+          </a:prstGeom>
+        </p:spPr>
+        <p:txBody>
+          <a:bodyPr wrap="square">
+            <a:spAutoFit/>
+          </a:bodyPr>
+          <a:lstStyle/>
+          <a:p>
+            <a:pPr algn="ctr"/>
+            <a:r>
+              <a:rPr lang="en-US" b="0" i="0" dirty="0" smtClean="0">
+                <a:solidFill>
+                  <a:srgbClr val="000000"/>
+                </a:solidFill>
+                <a:effectLst/>
+                <a:latin typeface="Roboto"/>
+              </a:rPr>
+              <a:t>Associated diseases</a:t>
+            </a:r>
+          </a:p>
+        </p:txBody>
+      </p:sp>
+    </p:spTree>
+    <p:extLst>
+      <p:ext uri="{BB962C8B-B14F-4D97-AF65-F5344CB8AC3E}">
+        <p14:creationId xmlns:p14="http://schemas.microsoft.com/office/powerpoint/2010/main" val="2935019222"/>
+      </p:ext>
+    </p:extLst>
+  </p:cSld>
+  <p:clrMapOvr>
+    <a:masterClrMapping/>
+  </p:clrMapOvr>
   <p:timing>
     <p:tnLst>
       <p:par>
@@ -3918,15 +4355,10 @@
                             </p:stCondLst>
                             <p:childTnLst>
                               <p:par>
-                                <p:cTn id="5" presetID="1" presetClass="entr" presetSubtype="0" fill="hold" grpId="0" nodeType="clickEffect" nodePh="1">
+                                <p:cTn id="5" presetID="1" presetClass="entr" presetSubtype="0" fill="hold" grpId="0" nodeType="clickEffect">
                                   <p:stCondLst>
                                     <p:cond delay="0"/>
                                   </p:stCondLst>
-                                  <p:endCondLst>
-                                    <p:cond evt="begin" delay="0">
-                                      <p:tn val="5"/>
-                                    </p:cond>
-                                  </p:endCondLst>
                                   <p:childTnLst>
                                     <p:set>
                                       <p:cBhvr>
@@ -3936,11 +4368,142 @@
                                           </p:stCondLst>
                                         </p:cTn>
                                         <p:tgtEl>
-                                          <p:spTgt spid="4">
-                                            <p:txEl>
-                                              <p:pRg st="0" end="0"/>
-                                            </p:txEl>
-                                          </p:spTgt>
+                                          <p:spTgt spid="6"/>
+                                        </p:tgtEl>
+                                        <p:attrNameLst>
+                                          <p:attrName>style.visibility</p:attrName>
+                                        </p:attrNameLst>
+                                      </p:cBhvr>
+                                      <p:to>
+                                        <p:strVal val="visible"/>
+                                      </p:to>
+                                    </p:set>
+                                  </p:childTnLst>
+                                </p:cTn>
+                              </p:par>
+                            </p:childTnLst>
+                          </p:cTn>
+                        </p:par>
+                      </p:childTnLst>
+                    </p:cTn>
+                  </p:par>
+                  <p:par>
+                    <p:cTn id="7" fill="hold">
+                      <p:stCondLst>
+                        <p:cond delay="indefinite"/>
+                      </p:stCondLst>
+                      <p:childTnLst>
+                        <p:par>
+                          <p:cTn id="8" fill="hold">
+                            <p:stCondLst>
+                              <p:cond delay="0"/>
+                            </p:stCondLst>
+                            <p:childTnLst>
+                              <p:par>
+                                <p:cTn id="9" presetID="1" presetClass="entr" presetSubtype="0" fill="hold" grpId="0" nodeType="clickEffect">
+                                  <p:stCondLst>
+                                    <p:cond delay="0"/>
+                                  </p:stCondLst>
+                                  <p:childTnLst>
+                                    <p:set>
+                                      <p:cBhvr>
+                                        <p:cTn id="10" dur="1" fill="hold">
+                                          <p:stCondLst>
+                                            <p:cond delay="0"/>
+                                          </p:stCondLst>
+                                        </p:cTn>
+                                        <p:tgtEl>
+                                          <p:spTgt spid="7"/>
+                                        </p:tgtEl>
+                                        <p:attrNameLst>
+                                          <p:attrName>style.visibility</p:attrName>
+                                        </p:attrNameLst>
+                                      </p:cBhvr>
+                                      <p:to>
+                                        <p:strVal val="visible"/>
+                                      </p:to>
+                                    </p:set>
+                                  </p:childTnLst>
+                                </p:cTn>
+                              </p:par>
+                            </p:childTnLst>
+                          </p:cTn>
+                        </p:par>
+                      </p:childTnLst>
+                    </p:cTn>
+                  </p:par>
+                  <p:par>
+                    <p:cTn id="11" fill="hold">
+                      <p:stCondLst>
+                        <p:cond delay="indefinite"/>
+                      </p:stCondLst>
+                      <p:childTnLst>
+                        <p:par>
+                          <p:cTn id="12" fill="hold">
+                            <p:stCondLst>
+                              <p:cond delay="0"/>
+                            </p:stCondLst>
+                            <p:childTnLst>
+                              <p:par>
+                                <p:cTn id="13" presetID="1" presetClass="entr" presetSubtype="0" fill="hold" grpId="0" nodeType="clickEffect">
+                                  <p:stCondLst>
+                                    <p:cond delay="0"/>
+                                  </p:stCondLst>
+                                  <p:childTnLst>
+                                    <p:set>
+                                      <p:cBhvr>
+                                        <p:cTn id="14" dur="1" fill="hold">
+                                          <p:stCondLst>
+                                            <p:cond delay="0"/>
+                                          </p:stCondLst>
+                                        </p:cTn>
+                                        <p:tgtEl>
+                                          <p:spTgt spid="8"/>
+                                        </p:tgtEl>
+                                        <p:attrNameLst>
+                                          <p:attrName>style.visibility</p:attrName>
+                                        </p:attrNameLst>
+                                      </p:cBhvr>
+                                      <p:to>
+                                        <p:strVal val="visible"/>
+                                      </p:to>
+                                    </p:set>
+                                  </p:childTnLst>
+                                </p:cTn>
+                              </p:par>
+                            </p:childTnLst>
+                          </p:cTn>
+                        </p:par>
+                      </p:childTnLst>
+                    </p:cTn>
+                  </p:par>
+                  <p:par>
+                    <p:cTn id="15" fill="hold">
+                      <p:stCondLst>
+                        <p:cond delay="indefinite"/>
+                      </p:stCondLst>
+                      <p:childTnLst>
+                        <p:par>
+                          <p:cTn id="16" fill="hold">
+                            <p:stCondLst>
+                              <p:cond delay="0"/>
+                            </p:stCondLst>
+                            <p:childTnLst>
+                              <p:par>
+                                <p:cTn id="17" presetID="1" presetClass="entr" presetSubtype="0" fill="hold" grpId="0" nodeType="clickEffect">
+                                  <p:stCondLst>
+                                    <p:cond delay="0"/>
+                                  </p:stCondLst>
+                                  <p:childTnLst>
+                                    <p:set>
+                                      <p:cBhvr>
+                                        <p:cTn id="18" dur="1" fill="hold">
+                                          <p:stCondLst>
+                                            <p:cond delay="0"/>
+                                          </p:stCondLst>
+                                        </p:cTn>
+                                        <p:tgtEl>
+                                          <p:spTgt spid="9"/>
                                         </p:tgtEl>
                                         <p:attrNameLst>
                                           <p:attrName>style.visibility</p:attrName>
@@ -3981,237 +4544,12 @@
       </p:par>
     </p:tnLst>
     <p:bldLst>
-      <p:bldP spid="4" grpId="0" build="p"/>
+      <p:bldP spid="6" grpId="0"/>
+      <p:bldP spid="7" grpId="0"/>
+      <p:bldP spid="8" grpId="0"/>
+      <p:bldP spid="9" grpId="0"/>
     </p:bldLst>
   </p:timing>
-</p:sld>
-</file>
-
-<file path=ppt/slides/slide10.xml><?xml version="1.0" encoding="utf-8"?>
-<p:sld xmlns:a="http://schemas.openxmlformats.org/drawingml/2006/main" xmlns:r="http://schemas.openxmlformats.org/officeDocument/2006/relationships" xmlns:p="http://schemas.openxmlformats.org/presentationml/2006/main">
-  <p:cSld>
-    <p:spTree>
-      <p:nvGrpSpPr>
-        <p:cNvPr id="1" name=""/>
-        <p:cNvGrpSpPr/>
-        <p:nvPr/>
-      </p:nvGrpSpPr>
-      <p:grpSpPr>
-        <a:xfrm>
-          <a:off x="0" y="0"/>
-          <a:ext cx="0" cy="0"/>
-          <a:chOff x="0" y="0"/>
-          <a:chExt cx="0" cy="0"/>
-        </a:xfrm>
-      </p:grpSpPr>
-      <p:sp>
-        <p:nvSpPr>
-          <p:cNvPr id="2" name="Title 1"/>
-          <p:cNvSpPr>
-            <a:spLocks noGrp="1"/>
-          </p:cNvSpPr>
-          <p:nvPr>
-            <p:ph type="title"/>
-          </p:nvPr>
-        </p:nvSpPr>
-        <p:spPr/>
-        <p:txBody>
-          <a:bodyPr/>
-          <a:lstStyle/>
-          <a:p>
-            <a:endParaRPr lang="en-IE"/>
-          </a:p>
-        </p:txBody>
-      </p:sp>
-      <p:sp>
-        <p:nvSpPr>
-          <p:cNvPr id="3" name="Content Placeholder 2"/>
-          <p:cNvSpPr>
-            <a:spLocks noGrp="1"/>
-          </p:cNvSpPr>
-          <p:nvPr>
-            <p:ph idx="1"/>
-          </p:nvPr>
-        </p:nvSpPr>
-        <p:spPr/>
-        <p:txBody>
-          <a:bodyPr/>
-          <a:lstStyle/>
-          <a:p>
-            <a:endParaRPr lang="en-IE"/>
-          </a:p>
-        </p:txBody>
-      </p:sp>
-      <p:pic>
-        <p:nvPicPr>
-          <p:cNvPr id="4" name="Picture 3"/>
-          <p:cNvPicPr>
-            <a:picLocks noChangeAspect="1"/>
-          </p:cNvPicPr>
-          <p:nvPr/>
-        </p:nvPicPr>
-        <p:blipFill>
-          <a:blip r:embed="rId2"/>
-          <a:stretch>
-            <a:fillRect/>
-          </a:stretch>
-        </p:blipFill>
-        <p:spPr>
-          <a:xfrm>
-            <a:off x="838200" y="1159419"/>
-            <a:ext cx="10507541" cy="3905795"/>
-          </a:xfrm>
-          <a:prstGeom prst="rect">
-            <a:avLst/>
-          </a:prstGeom>
-        </p:spPr>
-      </p:pic>
-    </p:spTree>
-    <p:extLst>
-      <p:ext uri="{BB962C8B-B14F-4D97-AF65-F5344CB8AC3E}">
-        <p14:creationId xmlns:p14="http://schemas.microsoft.com/office/powerpoint/2010/main" val="615396980"/>
-      </p:ext>
-    </p:extLst>
-  </p:cSld>
-  <p:clrMapOvr>
-    <a:masterClrMapping/>
-  </p:clrMapOvr>
-</p:sld>
-</file>
-
-<file path=ppt/slides/slide11.xml><?xml version="1.0" encoding="utf-8"?>
-<p:sld xmlns:a="http://schemas.openxmlformats.org/drawingml/2006/main" xmlns:r="http://schemas.openxmlformats.org/officeDocument/2006/relationships" xmlns:p="http://schemas.openxmlformats.org/presentationml/2006/main">
-  <p:cSld>
-    <p:spTree>
-      <p:nvGrpSpPr>
-        <p:cNvPr id="1" name=""/>
-        <p:cNvGrpSpPr/>
-        <p:nvPr/>
-      </p:nvGrpSpPr>
-      <p:grpSpPr>
-        <a:xfrm>
-          <a:off x="0" y="0"/>
-          <a:ext cx="0" cy="0"/>
-          <a:chOff x="0" y="0"/>
-          <a:chExt cx="0" cy="0"/>
-        </a:xfrm>
-      </p:grpSpPr>
-      <p:sp>
-        <p:nvSpPr>
-          <p:cNvPr id="2" name="Title 1"/>
-          <p:cNvSpPr>
-            <a:spLocks noGrp="1"/>
-          </p:cNvSpPr>
-          <p:nvPr>
-            <p:ph type="title"/>
-          </p:nvPr>
-        </p:nvSpPr>
-        <p:spPr/>
-        <p:txBody>
-          <a:bodyPr/>
-          <a:lstStyle/>
-          <a:p>
-            <a:r>
-              <a:rPr lang="en-US" dirty="0" smtClean="0"/>
-              <a:t>Association of </a:t>
-            </a:r>
-            <a:r>
-              <a:rPr lang="en-US" dirty="0" err="1" smtClean="0"/>
-              <a:t>mirna:disease</a:t>
-            </a:r>
-            <a:endParaRPr lang="en-IE" dirty="0"/>
-          </a:p>
-        </p:txBody>
-      </p:sp>
-      <p:sp>
-        <p:nvSpPr>
-          <p:cNvPr id="3" name="Content Placeholder 2"/>
-          <p:cNvSpPr>
-            <a:spLocks noGrp="1"/>
-          </p:cNvSpPr>
-          <p:nvPr>
-            <p:ph idx="1"/>
-          </p:nvPr>
-        </p:nvSpPr>
-        <p:spPr/>
-        <p:txBody>
-          <a:bodyPr/>
-          <a:lstStyle/>
-          <a:p>
-            <a:r>
-              <a:rPr lang="en-IE" dirty="0" smtClean="0"/>
-              <a:t>Genes </a:t>
-            </a:r>
-            <a:r>
-              <a:rPr lang="en-IE" dirty="0"/>
-              <a:t>with similar functions are </a:t>
-            </a:r>
-            <a:r>
-              <a:rPr lang="en-IE" dirty="0" smtClean="0"/>
-              <a:t>often associated </a:t>
-            </a:r>
-            <a:r>
-              <a:rPr lang="en-IE" dirty="0"/>
-              <a:t>with similar </a:t>
-            </a:r>
-            <a:r>
-              <a:rPr lang="en-IE" dirty="0" smtClean="0"/>
-              <a:t>diseases.</a:t>
-            </a:r>
-          </a:p>
-          <a:p>
-            <a:endParaRPr lang="en-IE" dirty="0" smtClean="0"/>
-          </a:p>
-          <a:p>
-            <a:r>
-              <a:rPr lang="en-IE" dirty="0" smtClean="0"/>
-              <a:t>The </a:t>
-            </a:r>
-            <a:r>
-              <a:rPr lang="en-IE" dirty="0"/>
-              <a:t>relationship of </a:t>
-            </a:r>
-            <a:r>
-              <a:rPr lang="en-IE" dirty="0" smtClean="0"/>
-              <a:t>different diseases </a:t>
-            </a:r>
-            <a:r>
-              <a:rPr lang="en-IE" dirty="0"/>
-              <a:t>can be represented by a structure of directed acyclic </a:t>
-            </a:r>
-            <a:r>
-              <a:rPr lang="en-IE" dirty="0" smtClean="0"/>
-              <a:t>graph(DAG)</a:t>
-            </a:r>
-          </a:p>
-          <a:p>
-            <a:endParaRPr lang="en-IE" dirty="0" smtClean="0"/>
-          </a:p>
-          <a:p>
-            <a:r>
-              <a:rPr lang="en-IE" dirty="0"/>
-              <a:t>miRNA-associated disease data </a:t>
-            </a:r>
-            <a:r>
-              <a:rPr lang="en-IE" dirty="0" smtClean="0"/>
-              <a:t>available</a:t>
-            </a:r>
-          </a:p>
-          <a:p>
-            <a:endParaRPr lang="en-IE" dirty="0"/>
-          </a:p>
-        </p:txBody>
-      </p:sp>
-    </p:spTree>
-    <p:extLst>
-      <p:ext uri="{BB962C8B-B14F-4D97-AF65-F5344CB8AC3E}">
-        <p14:creationId xmlns:p14="http://schemas.microsoft.com/office/powerpoint/2010/main" val="3866560077"/>
-      </p:ext>
-    </p:extLst>
-  </p:cSld>
-  <p:clrMapOvr>
-    <a:masterClrMapping/>
-  </p:clrMapOvr>
 </p:sld>
 </file>
 
@@ -4239,95 +4577,6 @@
             <a:spLocks noGrp="1"/>
           </p:cNvSpPr>
           <p:nvPr>
-            <p:ph type="ctrTitle"/>
-          </p:nvPr>
-        </p:nvSpPr>
-        <p:spPr>
-          <a:xfrm>
-            <a:off x="1328057" y="2350272"/>
-            <a:ext cx="9144000" cy="2387600"/>
-          </a:xfrm>
-        </p:spPr>
-        <p:txBody>
-          <a:bodyPr/>
-          <a:lstStyle/>
-          <a:p>
-            <a:r>
-              <a:rPr lang="en-US" dirty="0" smtClean="0"/>
-              <a:t>Similarity function among miRNAs</a:t>
-            </a:r>
-            <a:endParaRPr lang="en-IE" dirty="0"/>
-          </a:p>
-        </p:txBody>
-      </p:sp>
-      <p:sp>
-        <p:nvSpPr>
-          <p:cNvPr id="5" name="Subtitle 4"/>
-          <p:cNvSpPr>
-            <a:spLocks noGrp="1"/>
-          </p:cNvSpPr>
-          <p:nvPr>
-            <p:ph type="subTitle" idx="1"/>
-          </p:nvPr>
-        </p:nvSpPr>
-        <p:spPr>
-          <a:xfrm>
-            <a:off x="0" y="2021433"/>
-            <a:ext cx="9144000" cy="929730"/>
-          </a:xfrm>
-        </p:spPr>
-        <p:txBody>
-          <a:bodyPr>
-            <a:normAutofit/>
-          </a:bodyPr>
-          <a:lstStyle/>
-          <a:p>
-            <a:pPr algn="l"/>
-            <a:r>
-              <a:rPr lang="en-US" sz="4000" dirty="0" smtClean="0"/>
-              <a:t>Part 1</a:t>
-            </a:r>
-            <a:endParaRPr lang="en-IE" sz="4000" dirty="0"/>
-          </a:p>
-        </p:txBody>
-      </p:sp>
-    </p:spTree>
-    <p:extLst>
-      <p:ext uri="{BB962C8B-B14F-4D97-AF65-F5344CB8AC3E}">
-        <p14:creationId xmlns:p14="http://schemas.microsoft.com/office/powerpoint/2010/main" val="3741866317"/>
-      </p:ext>
-    </p:extLst>
-  </p:cSld>
-  <p:clrMapOvr>
-    <a:masterClrMapping/>
-  </p:clrMapOvr>
-</p:sld>
-</file>
-
-<file path=ppt/slides/slide13.xml><?xml version="1.0" encoding="utf-8"?>
-<p:sld xmlns:a="http://schemas.openxmlformats.org/drawingml/2006/main" xmlns:r="http://schemas.openxmlformats.org/officeDocument/2006/relationships" xmlns:p="http://schemas.openxmlformats.org/presentationml/2006/main">
-  <p:cSld>
-    <p:spTree>
-      <p:nvGrpSpPr>
-        <p:cNvPr id="1" name=""/>
-        <p:cNvGrpSpPr/>
-        <p:nvPr/>
-      </p:nvGrpSpPr>
-      <p:grpSpPr>
-        <a:xfrm>
-          <a:off x="0" y="0"/>
-          <a:ext cx="0" cy="0"/>
-          <a:chOff x="0" y="0"/>
-          <a:chExt cx="0" cy="0"/>
-        </a:xfrm>
-      </p:grpSpPr>
-      <p:sp>
-        <p:nvSpPr>
-          <p:cNvPr id="2" name="Title 1"/>
-          <p:cNvSpPr>
-            <a:spLocks noGrp="1"/>
-          </p:cNvSpPr>
-          <p:nvPr>
             <p:ph type="title"/>
           </p:nvPr>
         </p:nvSpPr>
@@ -4423,10 +4672,17 @@
   <p:clrMapOvr>
     <a:masterClrMapping/>
   </p:clrMapOvr>
+  <p:timing>
+    <p:tnLst>
+      <p:par>
+        <p:cTn id="1" dur="indefinite" restart="never" nodeType="tmRoot"/>
+      </p:par>
+    </p:tnLst>
+  </p:timing>
 </p:sld>
 </file>
 
-<file path=ppt/slides/slide14.xml><?xml version="1.0" encoding="utf-8"?>
+<file path=ppt/slides/slide13.xml><?xml version="1.0" encoding="utf-8"?>
 <p:sld xmlns:a="http://schemas.openxmlformats.org/drawingml/2006/main" xmlns:r="http://schemas.openxmlformats.org/officeDocument/2006/relationships" xmlns:p="http://schemas.openxmlformats.org/presentationml/2006/main">
   <p:cSld>
     <p:spTree>
@@ -5063,10 +5319,17 @@
   <p:clrMapOvr>
     <a:masterClrMapping/>
   </p:clrMapOvr>
+  <p:timing>
+    <p:tnLst>
+      <p:par>
+        <p:cTn id="1" dur="indefinite" restart="never" nodeType="tmRoot"/>
+      </p:par>
+    </p:tnLst>
+  </p:timing>
 </p:sld>
 </file>
 
-<file path=ppt/slides/slide15.xml><?xml version="1.0" encoding="utf-8"?>
+<file path=ppt/slides/slide14.xml><?xml version="1.0" encoding="utf-8"?>
 <p:sld xmlns:a="http://schemas.openxmlformats.org/drawingml/2006/main" xmlns:r="http://schemas.openxmlformats.org/officeDocument/2006/relationships" xmlns:p="http://schemas.openxmlformats.org/presentationml/2006/main">
   <p:cSld>
     <p:spTree>
@@ -5238,10 +5501,17 @@
   <p:clrMapOvr>
     <a:masterClrMapping/>
   </p:clrMapOvr>
+  <p:timing>
+    <p:tnLst>
+      <p:par>
+        <p:cTn id="1" dur="indefinite" restart="never" nodeType="tmRoot"/>
+      </p:par>
+    </p:tnLst>
+  </p:timing>
 </p:sld>
 </file>
 
-<file path=ppt/slides/slide16.xml><?xml version="1.0" encoding="utf-8"?>
+<file path=ppt/slides/slide15.xml><?xml version="1.0" encoding="utf-8"?>
 <p:sld xmlns:a="http://schemas.openxmlformats.org/drawingml/2006/main" xmlns:r="http://schemas.openxmlformats.org/officeDocument/2006/relationships" xmlns:p="http://schemas.openxmlformats.org/presentationml/2006/main">
   <p:cSld>
     <p:spTree>
@@ -5413,10 +5683,17 @@
   <p:clrMapOvr>
     <a:masterClrMapping/>
   </p:clrMapOvr>
+  <p:timing>
+    <p:tnLst>
+      <p:par>
+        <p:cTn id="1" dur="indefinite" restart="never" nodeType="tmRoot"/>
+      </p:par>
+    </p:tnLst>
+  </p:timing>
 </p:sld>
 </file>
 
-<file path=ppt/slides/slide17.xml><?xml version="1.0" encoding="utf-8"?>
+<file path=ppt/slides/slide16.xml><?xml version="1.0" encoding="utf-8"?>
 <p:sld xmlns:a="http://schemas.openxmlformats.org/drawingml/2006/main" xmlns:r="http://schemas.openxmlformats.org/officeDocument/2006/relationships" xmlns:p="http://schemas.openxmlformats.org/presentationml/2006/main">
   <p:cSld>
     <p:spTree>
@@ -5521,6 +5798,158 @@
   <p:clrMapOvr>
     <a:masterClrMapping/>
   </p:clrMapOvr>
+  <p:timing>
+    <p:tnLst>
+      <p:par>
+        <p:cTn id="1" dur="indefinite" restart="never" nodeType="tmRoot"/>
+      </p:par>
+    </p:tnLst>
+  </p:timing>
+</p:sld>
+</file>
+
+<file path=ppt/slides/slide17.xml><?xml version="1.0" encoding="utf-8"?>
+<p:sld xmlns:a="http://schemas.openxmlformats.org/drawingml/2006/main" xmlns:r="http://schemas.openxmlformats.org/officeDocument/2006/relationships" xmlns:p="http://schemas.openxmlformats.org/presentationml/2006/main">
+  <p:cSld>
+    <p:spTree>
+      <p:nvGrpSpPr>
+        <p:cNvPr id="1" name=""/>
+        <p:cNvGrpSpPr/>
+        <p:nvPr/>
+      </p:nvGrpSpPr>
+      <p:grpSpPr>
+        <a:xfrm>
+          <a:off x="0" y="0"/>
+          <a:ext cx="0" cy="0"/>
+          <a:chOff x="0" y="0"/>
+          <a:chExt cx="0" cy="0"/>
+        </a:xfrm>
+      </p:grpSpPr>
+      <p:sp>
+        <p:nvSpPr>
+          <p:cNvPr id="2" name="Title 1"/>
+          <p:cNvSpPr>
+            <a:spLocks noGrp="1"/>
+          </p:cNvSpPr>
+          <p:nvPr>
+            <p:ph type="title"/>
+          </p:nvPr>
+        </p:nvSpPr>
+        <p:spPr/>
+        <p:txBody>
+          <a:bodyPr/>
+          <a:lstStyle/>
+          <a:p>
+            <a:r>
+              <a:rPr lang="en-IE" dirty="0" err="1" smtClean="0"/>
+              <a:t>MiSim</a:t>
+            </a:r>
+            <a:r>
+              <a:rPr lang="en-IE" dirty="0" smtClean="0"/>
+              <a:t> similarity and expression </a:t>
+            </a:r>
+            <a:r>
+              <a:rPr lang="en-IE" dirty="0"/>
+              <a:t>similarity</a:t>
+            </a:r>
+          </a:p>
+        </p:txBody>
+      </p:sp>
+      <p:sp>
+        <p:nvSpPr>
+          <p:cNvPr id="3" name="Content Placeholder 2"/>
+          <p:cNvSpPr>
+            <a:spLocks noGrp="1"/>
+          </p:cNvSpPr>
+          <p:nvPr>
+            <p:ph idx="1"/>
+          </p:nvPr>
+        </p:nvSpPr>
+        <p:spPr/>
+        <p:txBody>
+          <a:bodyPr/>
+          <a:lstStyle/>
+          <a:p>
+            <a:r>
+              <a:rPr lang="en-IE" dirty="0"/>
+              <a:t>miRNA expression data from 40 normal </a:t>
+            </a:r>
+            <a:r>
+              <a:rPr lang="en-IE" dirty="0" smtClean="0"/>
+              <a:t>tissues</a:t>
+            </a:r>
+          </a:p>
+          <a:p>
+            <a:r>
+              <a:rPr lang="en-IE" dirty="0"/>
+              <a:t>grouped miRNA pairs into different groups </a:t>
+            </a:r>
+            <a:r>
+              <a:rPr lang="en-IE" dirty="0" smtClean="0"/>
+              <a:t>according to </a:t>
+            </a:r>
+            <a:r>
+              <a:rPr lang="en-IE" dirty="0"/>
+              <a:t>functional similarity by a step of 0.1 and calculated </a:t>
+            </a:r>
+            <a:r>
+              <a:rPr lang="en-IE" dirty="0" smtClean="0"/>
+              <a:t>the average </a:t>
+            </a:r>
+            <a:r>
+              <a:rPr lang="en-IE" dirty="0"/>
+              <a:t>functional similarity and expression similarity of </a:t>
+            </a:r>
+            <a:r>
+              <a:rPr lang="en-IE" dirty="0" smtClean="0"/>
+              <a:t>each group</a:t>
+            </a:r>
+            <a:r>
+              <a:rPr lang="en-IE" dirty="0"/>
+              <a:t>. </a:t>
+            </a:r>
+            <a:endParaRPr lang="en-IE" dirty="0" smtClean="0"/>
+          </a:p>
+          <a:p>
+            <a:r>
+              <a:rPr lang="en-IE" dirty="0"/>
+              <a:t>miRNA functional similarity is positively </a:t>
+            </a:r>
+            <a:r>
+              <a:rPr lang="en-IE" dirty="0" smtClean="0"/>
+              <a:t>correlated with </a:t>
+            </a:r>
+            <a:r>
+              <a:rPr lang="en-IE" dirty="0"/>
+              <a:t>expression </a:t>
+            </a:r>
+            <a:r>
+              <a:rPr lang="en-IE" dirty="0" smtClean="0"/>
+              <a:t>similarity</a:t>
+            </a:r>
+          </a:p>
+          <a:p>
+            <a:endParaRPr lang="en-IE" dirty="0"/>
+          </a:p>
+        </p:txBody>
+      </p:sp>
+    </p:spTree>
+    <p:extLst>
+      <p:ext uri="{BB962C8B-B14F-4D97-AF65-F5344CB8AC3E}">
+        <p14:creationId xmlns:p14="http://schemas.microsoft.com/office/powerpoint/2010/main" val="2134472163"/>
+      </p:ext>
+    </p:extLst>
+  </p:cSld>
+  <p:clrMapOvr>
+    <a:masterClrMapping/>
+  </p:clrMapOvr>
+  <p:timing>
+    <p:tnLst>
+      <p:par>
+        <p:cTn id="1" dur="indefinite" restart="never" nodeType="tmRoot"/>
+      </p:par>
+    </p:tnLst>
+  </p:timing>
 </p:sld>
 </file>
 
@@ -5556,18 +5985,7 @@
           <a:bodyPr/>
           <a:lstStyle/>
           <a:p>
-            <a:r>
-              <a:rPr lang="en-IE" dirty="0" err="1" smtClean="0"/>
-              <a:t>MiSim</a:t>
-            </a:r>
-            <a:r>
-              <a:rPr lang="en-IE" dirty="0" smtClean="0"/>
-              <a:t> similarity and expression </a:t>
-            </a:r>
-            <a:r>
-              <a:rPr lang="en-IE" dirty="0"/>
-              <a:t>similarity</a:t>
-            </a:r>
+            <a:endParaRPr lang="en-IE"/>
           </a:p>
         </p:txBody>
       </p:sp>
@@ -5586,66 +6004,7 @@
           <a:bodyPr/>
           <a:lstStyle/>
           <a:p>
-            <a:r>
-              <a:rPr lang="en-IE" dirty="0"/>
-              <a:t>miRNA expression data from 40 normal </a:t>
-            </a:r>
-            <a:r>
-              <a:rPr lang="en-IE" dirty="0" smtClean="0"/>
-              <a:t>tissues</a:t>
-            </a:r>
-          </a:p>
-          <a:p>
-            <a:r>
-              <a:rPr lang="en-IE" dirty="0"/>
-              <a:t>grouped miRNA pairs into different groups </a:t>
-            </a:r>
-            <a:r>
-              <a:rPr lang="en-IE" dirty="0" smtClean="0"/>
-              <a:t>according to </a:t>
-            </a:r>
-            <a:r>
-              <a:rPr lang="en-IE" dirty="0"/>
-              <a:t>functional similarity by a step of 0.1 and calculated </a:t>
-            </a:r>
-            <a:r>
-              <a:rPr lang="en-IE" dirty="0" smtClean="0"/>
-              <a:t>the average </a:t>
-            </a:r>
-            <a:r>
-              <a:rPr lang="en-IE" dirty="0"/>
-              <a:t>functional similarity and expression similarity of </a:t>
-            </a:r>
-            <a:r>
-              <a:rPr lang="en-IE" dirty="0" smtClean="0"/>
-              <a:t>each group</a:t>
-            </a:r>
-            <a:r>
-              <a:rPr lang="en-IE" dirty="0"/>
-              <a:t>. </a:t>
-            </a:r>
-            <a:endParaRPr lang="en-IE" dirty="0" smtClean="0"/>
-          </a:p>
-          <a:p>
-            <a:r>
-              <a:rPr lang="en-IE" dirty="0"/>
-              <a:t>miRNA functional similarity is positively </a:t>
-            </a:r>
-            <a:r>
-              <a:rPr lang="en-IE" dirty="0" err="1"/>
-              <a:t>correlatedwith</a:t>
-            </a:r>
-            <a:r>
-              <a:rPr lang="en-IE" dirty="0"/>
-              <a:t> expression </a:t>
-            </a:r>
-            <a:r>
-              <a:rPr lang="en-IE" dirty="0" smtClean="0"/>
-              <a:t>similarity</a:t>
-            </a:r>
-          </a:p>
-          <a:p>
-            <a:endParaRPr lang="en-IE" dirty="0"/>
+            <a:endParaRPr lang="en-IE"/>
           </a:p>
         </p:txBody>
       </p:sp>
@@ -5665,8 +6024,8 @@
         </p:blipFill>
         <p:spPr>
           <a:xfrm>
-            <a:off x="6096000" y="2282588"/>
-            <a:ext cx="5527012" cy="4287821"/>
+            <a:off x="1857460" y="365125"/>
+            <a:ext cx="8200939" cy="6362237"/>
           </a:xfrm>
           <a:prstGeom prst="rect">
             <a:avLst/>
@@ -5676,13 +6035,20 @@
     </p:spTree>
     <p:extLst>
       <p:ext uri="{BB962C8B-B14F-4D97-AF65-F5344CB8AC3E}">
-        <p14:creationId xmlns:p14="http://schemas.microsoft.com/office/powerpoint/2010/main" val="2134472163"/>
+        <p14:creationId xmlns:p14="http://schemas.microsoft.com/office/powerpoint/2010/main" val="1882680906"/>
       </p:ext>
     </p:extLst>
   </p:cSld>
   <p:clrMapOvr>
     <a:masterClrMapping/>
   </p:clrMapOvr>
+  <p:timing>
+    <p:tnLst>
+      <p:par>
+        <p:cTn id="1" dur="indefinite" restart="never" nodeType="tmRoot"/>
+      </p:par>
+    </p:tnLst>
+  </p:timing>
 </p:sld>
 </file>
 
@@ -5813,6 +6179,13 @@
   <p:clrMapOvr>
     <a:masterClrMapping/>
   </p:clrMapOvr>
+  <p:timing>
+    <p:tnLst>
+      <p:par>
+        <p:cTn id="1" dur="indefinite" restart="never" nodeType="tmRoot"/>
+      </p:par>
+    </p:tnLst>
+  </p:timing>
 </p:sld>
 </file>
 
@@ -5840,61 +6213,115 @@
             <a:spLocks noGrp="1"/>
           </p:cNvSpPr>
           <p:nvPr>
-            <p:ph type="ctrTitle"/>
+            <p:ph type="title"/>
           </p:nvPr>
         </p:nvSpPr>
         <p:spPr/>
         <p:txBody>
-          <a:bodyPr>
-            <a:normAutofit fontScale="90000"/>
-          </a:bodyPr>
-          <a:lstStyle/>
-          <a:p>
+          <a:bodyPr/>
+          <a:lstStyle/>
+          <a:p>
+            <a:r>
+              <a:rPr lang="en-US" dirty="0" smtClean="0"/>
+              <a:t>Association of </a:t>
+            </a:r>
+            <a:r>
+              <a:rPr lang="en-US" dirty="0" err="1" smtClean="0"/>
+              <a:t>mirna:disease</a:t>
+            </a:r>
+            <a:endParaRPr lang="en-IE" dirty="0"/>
+          </a:p>
+        </p:txBody>
+      </p:sp>
+      <p:sp>
+        <p:nvSpPr>
+          <p:cNvPr id="3" name="Content Placeholder 2"/>
+          <p:cNvSpPr>
+            <a:spLocks noGrp="1"/>
+          </p:cNvSpPr>
+          <p:nvPr>
+            <p:ph idx="1"/>
+          </p:nvPr>
+        </p:nvSpPr>
+        <p:spPr/>
+        <p:txBody>
+          <a:bodyPr/>
+          <a:lstStyle/>
+          <a:p>
+            <a:r>
+              <a:rPr lang="en-IE" dirty="0" smtClean="0"/>
+              <a:t>Genes </a:t>
+            </a:r>
             <a:r>
               <a:rPr lang="en-IE" dirty="0"/>
-              <a:t>Inferring the human microRNA functional similarity and </a:t>
+              <a:t>with similar functions are </a:t>
             </a:r>
             <a:r>
               <a:rPr lang="en-IE" dirty="0" smtClean="0"/>
-              <a:t>functional network </a:t>
+              <a:t>often associated </a:t>
             </a:r>
             <a:r>
               <a:rPr lang="en-IE" dirty="0"/>
-              <a:t>based on microRNA-associated </a:t>
+              <a:t>with similar </a:t>
             </a:r>
             <a:r>
               <a:rPr lang="en-IE" dirty="0" smtClean="0"/>
-              <a:t>diseases</a:t>
-            </a:r>
-            <a:endParaRPr lang="en-IE" dirty="0"/>
-          </a:p>
-        </p:txBody>
-      </p:sp>
-      <p:sp>
-        <p:nvSpPr>
-          <p:cNvPr id="3" name="Subtitle 2"/>
-          <p:cNvSpPr>
-            <a:spLocks noGrp="1"/>
-          </p:cNvSpPr>
-          <p:nvPr>
-            <p:ph type="subTitle" idx="1"/>
-          </p:nvPr>
-        </p:nvSpPr>
-        <p:spPr/>
-        <p:txBody>
-          <a:bodyPr/>
-          <a:lstStyle/>
-          <a:p>
-            <a:r>
-              <a:rPr lang="en-US" dirty="0" smtClean="0"/>
-              <a:t>Evolution of a single approach…</a:t>
-            </a:r>
-          </a:p>
-          <a:p>
-            <a:r>
-              <a:rPr lang="en-US" dirty="0" smtClean="0"/>
-              <a:t>2010-2021</a:t>
-            </a:r>
+              <a:t>diseases.</a:t>
+            </a:r>
+          </a:p>
+          <a:p>
+            <a:endParaRPr lang="en-IE" dirty="0" smtClean="0"/>
+          </a:p>
+          <a:p>
+            <a:r>
+              <a:rPr lang="en-IE" dirty="0" smtClean="0"/>
+              <a:t>The </a:t>
+            </a:r>
+            <a:r>
+              <a:rPr lang="en-IE" dirty="0"/>
+              <a:t>relationship of </a:t>
+            </a:r>
+            <a:r>
+              <a:rPr lang="en-IE" dirty="0" smtClean="0"/>
+              <a:t>different diseases </a:t>
+            </a:r>
+            <a:r>
+              <a:rPr lang="en-IE" dirty="0"/>
+              <a:t>can be represented by a structure of directed acyclic </a:t>
+            </a:r>
+            <a:r>
+              <a:rPr lang="en-IE" dirty="0" smtClean="0"/>
+              <a:t>graph(DAG</a:t>
+            </a:r>
+            <a:r>
+              <a:rPr lang="en-IE" dirty="0" smtClean="0"/>
+              <a:t>) (</a:t>
+            </a:r>
+            <a:r>
+              <a:rPr lang="en-IE" dirty="0" err="1" smtClean="0"/>
+              <a:t>MeSH</a:t>
+            </a:r>
+            <a:r>
+              <a:rPr lang="en-IE" dirty="0" smtClean="0"/>
+              <a:t>)</a:t>
+            </a:r>
+            <a:endParaRPr lang="en-IE" dirty="0" smtClean="0"/>
+          </a:p>
+          <a:p>
+            <a:endParaRPr lang="en-IE" dirty="0" smtClean="0"/>
+          </a:p>
+          <a:p>
+            <a:r>
+              <a:rPr lang="en-IE" dirty="0"/>
+              <a:t>miRNA-associated disease data </a:t>
+            </a:r>
+            <a:r>
+              <a:rPr lang="en-IE" dirty="0" smtClean="0"/>
+              <a:t>available (HMDD)</a:t>
+            </a:r>
+            <a:endParaRPr lang="en-IE" dirty="0" smtClean="0"/>
+          </a:p>
+          <a:p>
             <a:endParaRPr lang="en-IE" dirty="0"/>
           </a:p>
         </p:txBody>
@@ -5902,13 +6329,20 @@
     </p:spTree>
     <p:extLst>
       <p:ext uri="{BB962C8B-B14F-4D97-AF65-F5344CB8AC3E}">
-        <p14:creationId xmlns:p14="http://schemas.microsoft.com/office/powerpoint/2010/main" val="1372521397"/>
+        <p14:creationId xmlns:p14="http://schemas.microsoft.com/office/powerpoint/2010/main" val="3866560077"/>
       </p:ext>
     </p:extLst>
   </p:cSld>
   <p:clrMapOvr>
     <a:masterClrMapping/>
   </p:clrMapOvr>
+  <p:timing>
+    <p:tnLst>
+      <p:par>
+        <p:cTn id="1" dur="indefinite" restart="never" nodeType="tmRoot"/>
+      </p:par>
+    </p:tnLst>
+  </p:timing>
 </p:sld>
 </file>
 
@@ -6034,6 +6468,13 @@
   <p:clrMapOvr>
     <a:masterClrMapping/>
   </p:clrMapOvr>
+  <p:timing>
+    <p:tnLst>
+      <p:par>
+        <p:cTn id="1" dur="indefinite" restart="never" nodeType="tmRoot"/>
+      </p:par>
+    </p:tnLst>
+  </p:timing>
 </p:sld>
 </file>
 
@@ -6133,6 +6574,13 @@
   <p:clrMapOvr>
     <a:masterClrMapping/>
   </p:clrMapOvr>
+  <p:timing>
+    <p:tnLst>
+      <p:par>
+        <p:cTn id="1" dur="indefinite" restart="never" nodeType="tmRoot"/>
+      </p:par>
+    </p:tnLst>
+  </p:timing>
 </p:sld>
 </file>
 
@@ -6222,6 +6670,13 @@
   <p:clrMapOvr>
     <a:masterClrMapping/>
   </p:clrMapOvr>
+  <p:timing>
+    <p:tnLst>
+      <p:par>
+        <p:cTn id="1" dur="indefinite" restart="never" nodeType="tmRoot"/>
+      </p:par>
+    </p:tnLst>
+  </p:timing>
 </p:sld>
 </file>
 
@@ -6357,6 +6812,13 @@
   <p:clrMapOvr>
     <a:masterClrMapping/>
   </p:clrMapOvr>
+  <p:timing>
+    <p:tnLst>
+      <p:par>
+        <p:cTn id="1" dur="indefinite" restart="never" nodeType="tmRoot"/>
+      </p:par>
+    </p:tnLst>
+  </p:timing>
 </p:sld>
 </file>
 
@@ -6422,28 +6884,28 @@
           </a:p>
           <a:p>
             <a:r>
-              <a:rPr lang="en-IE" dirty="0" err="1"/>
-              <a:t>erformedanalysis</a:t>
+              <a:rPr lang="en-IE" dirty="0" smtClean="0"/>
+              <a:t>performed analysis </a:t>
             </a:r>
             <a:r>
               <a:rPr lang="en-IE" dirty="0"/>
-              <a:t> of correlation between the probability of predicted </a:t>
-            </a:r>
-            <a:r>
-              <a:rPr lang="en-IE" dirty="0" err="1"/>
-              <a:t>linksand</a:t>
+              <a:t>of correlation between the probability of predicted </a:t>
+            </a:r>
+            <a:r>
+              <a:rPr lang="en-IE" dirty="0" smtClean="0"/>
+              <a:t>links and </a:t>
             </a:r>
             <a:r>
               <a:rPr lang="en-IE" dirty="0"/>
-              <a:t> the MISIM functional similarity of miRNAs connected </a:t>
-            </a:r>
-            <a:r>
-              <a:rPr lang="en-IE" dirty="0" err="1"/>
-              <a:t>bythe</a:t>
+              <a:t>the MISIM functional similarity of miRNAs connected </a:t>
+            </a:r>
+            <a:r>
+              <a:rPr lang="en-IE" dirty="0" smtClean="0"/>
+              <a:t>by the </a:t>
             </a:r>
             <a:r>
               <a:rPr lang="en-IE" dirty="0"/>
-              <a:t> corresponding </a:t>
+              <a:t>corresponding </a:t>
             </a:r>
             <a:r>
               <a:rPr lang="en-IE" dirty="0" smtClean="0"/>
@@ -6456,12 +6918,22 @@
               <a:t>This indicated that the predicted </a:t>
             </a:r>
             <a:r>
-              <a:rPr lang="en-IE" dirty="0" err="1"/>
-              <a:t>novellinks</a:t>
+              <a:rPr lang="en-IE" dirty="0" smtClean="0"/>
+              <a:t>novel links </a:t>
             </a:r>
             <a:r>
               <a:rPr lang="en-IE" dirty="0"/>
-              <a:t> with high probability tend to be real links</a:t>
+              <a:t>with high probability tend to be real </a:t>
+            </a:r>
+            <a:r>
+              <a:rPr lang="en-IE" dirty="0" smtClean="0"/>
+              <a:t>links</a:t>
+            </a:r>
+          </a:p>
+          <a:p>
+            <a:r>
+              <a:rPr lang="en-IE" dirty="0"/>
+              <a:t>0.7 and 0.9</a:t>
             </a:r>
           </a:p>
         </p:txBody>
@@ -6476,6 +6948,13 @@
   <p:clrMapOvr>
     <a:masterClrMapping/>
   </p:clrMapOvr>
+  <p:timing>
+    <p:tnLst>
+      <p:par>
+        <p:cTn id="1" dur="indefinite" restart="never" nodeType="tmRoot"/>
+      </p:par>
+    </p:tnLst>
+  </p:timing>
 </p:sld>
 </file>
 
@@ -6511,11 +6990,7 @@
           <a:bodyPr/>
           <a:lstStyle/>
           <a:p>
-            <a:r>
-              <a:rPr lang="en-IE" b="1" dirty="0"/>
-              <a:t>Gaussian interaction profile kernels</a:t>
-            </a:r>
-            <a:endParaRPr lang="en-IE" dirty="0"/>
+            <a:endParaRPr lang="en-IE"/>
           </a:p>
         </p:txBody>
       </p:sp>
@@ -6534,44 +7009,53 @@
           <a:bodyPr/>
           <a:lstStyle/>
           <a:p>
-            <a:endParaRPr lang="en-IE" dirty="0"/>
-          </a:p>
-        </p:txBody>
-      </p:sp>
-      <p:pic>
-        <p:nvPicPr>
-          <p:cNvPr id="4" name="Picture 3"/>
-          <p:cNvPicPr>
-            <a:picLocks noChangeAspect="1"/>
-          </p:cNvPicPr>
-          <p:nvPr/>
-        </p:nvPicPr>
-        <p:blipFill>
-          <a:blip r:embed="rId2"/>
-          <a:stretch>
-            <a:fillRect/>
-          </a:stretch>
-        </p:blipFill>
-        <p:spPr>
-          <a:xfrm>
-            <a:off x="4094225" y="3285455"/>
-            <a:ext cx="4768823" cy="1431677"/>
-          </a:xfrm>
-          <a:prstGeom prst="rect">
-            <a:avLst/>
-          </a:prstGeom>
-        </p:spPr>
-      </p:pic>
+            <a:r>
+              <a:rPr lang="en-IE" dirty="0" err="1"/>
+              <a:t>Pajek</a:t>
+            </a:r>
+            <a:r>
+              <a:rPr lang="en-IE" dirty="0"/>
+              <a:t> </a:t>
+            </a:r>
+            <a:endParaRPr lang="en-IE" dirty="0" smtClean="0"/>
+          </a:p>
+          <a:p>
+            <a:r>
+              <a:rPr lang="en-IE" dirty="0" smtClean="0"/>
+              <a:t>Fast </a:t>
+            </a:r>
+            <a:r>
+              <a:rPr lang="en-IE" dirty="0"/>
+              <a:t>Linear </a:t>
+            </a:r>
+            <a:r>
+              <a:rPr lang="en-IE" dirty="0" err="1"/>
+              <a:t>Neighborhood</a:t>
+            </a:r>
+            <a:r>
+              <a:rPr lang="en-IE" dirty="0"/>
+              <a:t> Similarity</a:t>
+            </a:r>
+          </a:p>
+        </p:txBody>
+      </p:sp>
     </p:spTree>
     <p:extLst>
       <p:ext uri="{BB962C8B-B14F-4D97-AF65-F5344CB8AC3E}">
-        <p14:creationId xmlns:p14="http://schemas.microsoft.com/office/powerpoint/2010/main" val="3692223144"/>
+        <p14:creationId xmlns:p14="http://schemas.microsoft.com/office/powerpoint/2010/main" val="1632480690"/>
       </p:ext>
     </p:extLst>
   </p:cSld>
   <p:clrMapOvr>
     <a:masterClrMapping/>
   </p:clrMapOvr>
+  <p:timing>
+    <p:tnLst>
+      <p:par>
+        <p:cTn id="1" dur="indefinite" restart="never" nodeType="tmRoot"/>
+      </p:par>
+    </p:tnLst>
+  </p:timing>
 </p:sld>
 </file>
 
@@ -6607,7 +7091,11 @@
           <a:bodyPr/>
           <a:lstStyle/>
           <a:p>
-            <a:endParaRPr lang="en-IE"/>
+            <a:r>
+              <a:rPr lang="en-US" dirty="0" smtClean="0"/>
+              <a:t>Case studies</a:t>
+            </a:r>
+            <a:endParaRPr lang="en-IE" dirty="0"/>
           </a:p>
         </p:txBody>
       </p:sp>
@@ -6626,7 +7114,30 @@
           <a:bodyPr/>
           <a:lstStyle/>
           <a:p>
-            <a:endParaRPr lang="en-IE"/>
+            <a:r>
+              <a:rPr lang="en-IE" dirty="0"/>
+              <a:t>Breast </a:t>
+            </a:r>
+            <a:r>
+              <a:rPr lang="en-IE" dirty="0" smtClean="0"/>
+              <a:t>Neoplasms</a:t>
+            </a:r>
+          </a:p>
+          <a:p>
+            <a:r>
+              <a:rPr lang="en-IE" dirty="0" smtClean="0"/>
+              <a:t>Prostatic Neoplasms</a:t>
+            </a:r>
+          </a:p>
+          <a:p>
+            <a:r>
+              <a:rPr lang="en-IE" dirty="0" smtClean="0"/>
+              <a:t>Lung </a:t>
+            </a:r>
+            <a:r>
+              <a:rPr lang="en-IE" dirty="0"/>
+              <a:t>Neoplasm</a:t>
+            </a:r>
           </a:p>
         </p:txBody>
       </p:sp>
@@ -6640,10 +7151,1002 @@
   <p:clrMapOvr>
     <a:masterClrMapping/>
   </p:clrMapOvr>
+  <p:timing>
+    <p:tnLst>
+      <p:par>
+        <p:cTn id="1" dur="indefinite" restart="never" nodeType="tmRoot"/>
+      </p:par>
+    </p:tnLst>
+  </p:timing>
 </p:sld>
 </file>
 
 <file path=ppt/slides/slide27.xml><?xml version="1.0" encoding="utf-8"?>
+<p:sld xmlns:a="http://schemas.openxmlformats.org/drawingml/2006/main" xmlns:r="http://schemas.openxmlformats.org/officeDocument/2006/relationships" xmlns:p="http://schemas.openxmlformats.org/presentationml/2006/main">
+  <p:cSld>
+    <p:spTree>
+      <p:nvGrpSpPr>
+        <p:cNvPr id="1" name=""/>
+        <p:cNvGrpSpPr/>
+        <p:nvPr/>
+      </p:nvGrpSpPr>
+      <p:grpSpPr>
+        <a:xfrm>
+          <a:off x="0" y="0"/>
+          <a:ext cx="0" cy="0"/>
+          <a:chOff x="0" y="0"/>
+          <a:chExt cx="0" cy="0"/>
+        </a:xfrm>
+      </p:grpSpPr>
+      <p:sp>
+        <p:nvSpPr>
+          <p:cNvPr id="2" name="Title 1"/>
+          <p:cNvSpPr>
+            <a:spLocks noGrp="1"/>
+          </p:cNvSpPr>
+          <p:nvPr>
+            <p:ph type="ctrTitle"/>
+          </p:nvPr>
+        </p:nvSpPr>
+        <p:spPr>
+          <a:xfrm>
+            <a:off x="1328057" y="2350272"/>
+            <a:ext cx="9144000" cy="2387600"/>
+          </a:xfrm>
+        </p:spPr>
+        <p:txBody>
+          <a:bodyPr/>
+          <a:lstStyle/>
+          <a:p>
+            <a:r>
+              <a:rPr lang="en-US" dirty="0" smtClean="0"/>
+              <a:t>Updating the method</a:t>
+            </a:r>
+            <a:endParaRPr lang="en-IE" dirty="0"/>
+          </a:p>
+        </p:txBody>
+      </p:sp>
+      <p:sp>
+        <p:nvSpPr>
+          <p:cNvPr id="5" name="Subtitle 4"/>
+          <p:cNvSpPr>
+            <a:spLocks noGrp="1"/>
+          </p:cNvSpPr>
+          <p:nvPr>
+            <p:ph type="subTitle" idx="1"/>
+          </p:nvPr>
+        </p:nvSpPr>
+        <p:spPr>
+          <a:xfrm>
+            <a:off x="0" y="2021433"/>
+            <a:ext cx="9144000" cy="929730"/>
+          </a:xfrm>
+        </p:spPr>
+        <p:txBody>
+          <a:bodyPr>
+            <a:normAutofit/>
+          </a:bodyPr>
+          <a:lstStyle/>
+          <a:p>
+            <a:pPr algn="l"/>
+            <a:r>
+              <a:rPr lang="en-US" sz="4000" dirty="0" smtClean="0"/>
+              <a:t>Part 3</a:t>
+            </a:r>
+            <a:endParaRPr lang="en-IE" sz="4000" dirty="0"/>
+          </a:p>
+        </p:txBody>
+      </p:sp>
+    </p:spTree>
+    <p:extLst>
+      <p:ext uri="{BB962C8B-B14F-4D97-AF65-F5344CB8AC3E}">
+        <p14:creationId xmlns:p14="http://schemas.microsoft.com/office/powerpoint/2010/main" val="1783780037"/>
+      </p:ext>
+    </p:extLst>
+  </p:cSld>
+  <p:clrMapOvr>
+    <a:masterClrMapping/>
+  </p:clrMapOvr>
+  <p:timing>
+    <p:tnLst>
+      <p:par>
+        <p:cTn id="1" dur="indefinite" restart="never" nodeType="tmRoot"/>
+      </p:par>
+    </p:tnLst>
+  </p:timing>
+</p:sld>
+</file>
+
+<file path=ppt/slides/slide28.xml><?xml version="1.0" encoding="utf-8"?>
+<p:sld xmlns:a="http://schemas.openxmlformats.org/drawingml/2006/main" xmlns:r="http://schemas.openxmlformats.org/officeDocument/2006/relationships" xmlns:p="http://schemas.openxmlformats.org/presentationml/2006/main">
+  <p:cSld>
+    <p:spTree>
+      <p:nvGrpSpPr>
+        <p:cNvPr id="1" name=""/>
+        <p:cNvGrpSpPr/>
+        <p:nvPr/>
+      </p:nvGrpSpPr>
+      <p:grpSpPr>
+        <a:xfrm>
+          <a:off x="0" y="0"/>
+          <a:ext cx="0" cy="0"/>
+          <a:chOff x="0" y="0"/>
+          <a:chExt cx="0" cy="0"/>
+        </a:xfrm>
+      </p:grpSpPr>
+      <p:sp>
+        <p:nvSpPr>
+          <p:cNvPr id="2" name="Title 1"/>
+          <p:cNvSpPr>
+            <a:spLocks noGrp="1"/>
+          </p:cNvSpPr>
+          <p:nvPr>
+            <p:ph type="title"/>
+          </p:nvPr>
+        </p:nvSpPr>
+        <p:spPr/>
+        <p:txBody>
+          <a:bodyPr/>
+          <a:lstStyle/>
+          <a:p>
+            <a:r>
+              <a:rPr lang="en-IE" b="1" dirty="0"/>
+              <a:t>Gaussian interaction profile kernels</a:t>
+            </a:r>
+            <a:endParaRPr lang="en-IE" dirty="0"/>
+          </a:p>
+        </p:txBody>
+      </p:sp>
+      <mc:AlternateContent xmlns:mc="http://schemas.openxmlformats.org/markup-compatibility/2006" xmlns:a14="http://schemas.microsoft.com/office/drawing/2010/main">
+        <mc:Choice Requires="a14">
+          <p:sp>
+            <p:nvSpPr>
+              <p:cNvPr id="3" name="Content Placeholder 2"/>
+              <p:cNvSpPr>
+                <a:spLocks noGrp="1"/>
+              </p:cNvSpPr>
+              <p:nvPr>
+                <p:ph idx="1"/>
+              </p:nvPr>
+            </p:nvSpPr>
+            <p:spPr/>
+            <p:txBody>
+              <a:bodyPr/>
+              <a:lstStyle/>
+              <a:p>
+                <a:r>
+                  <a:rPr lang="en-IE" dirty="0" smtClean="0"/>
+                  <a:t>binary vector IV(</a:t>
+                </a:r>
+                <a14:m>
+                  <m:oMath xmlns:m="http://schemas.openxmlformats.org/officeDocument/2006/math">
+                    <m:sSub>
+                      <m:sSubPr>
+                        <m:ctrlPr>
+                          <a:rPr lang="en-US" b="0" i="1" smtClean="0">
+                            <a:latin typeface="Cambria Math" panose="02040503050406030204" pitchFamily="18" charset="0"/>
+                          </a:rPr>
+                        </m:ctrlPr>
+                      </m:sSubPr>
+                      <m:e>
+                        <m:r>
+                          <a:rPr lang="en-US" b="0" i="1" smtClean="0">
+                            <a:latin typeface="Cambria Math" panose="02040503050406030204" pitchFamily="18" charset="0"/>
+                          </a:rPr>
+                          <m:t>𝑚</m:t>
+                        </m:r>
+                      </m:e>
+                      <m:sub>
+                        <m:r>
+                          <a:rPr lang="en-US" b="0" i="1" smtClean="0">
+                            <a:latin typeface="Cambria Math" panose="02040503050406030204" pitchFamily="18" charset="0"/>
+                          </a:rPr>
+                          <m:t>𝑖</m:t>
+                        </m:r>
+                      </m:sub>
+                    </m:sSub>
+                  </m:oMath>
+                </a14:m>
+                <a:r>
+                  <a:rPr lang="en-IE" dirty="0" smtClean="0"/>
+                  <a:t>) </a:t>
+                </a:r>
+                <a:r>
+                  <a:rPr lang="en-IE" dirty="0"/>
+                  <a:t>was defined to represent </a:t>
+                </a:r>
+                <a:r>
+                  <a:rPr lang="en-IE" dirty="0" smtClean="0"/>
+                  <a:t>the interaction </a:t>
+                </a:r>
+                <a:r>
+                  <a:rPr lang="en-IE" dirty="0"/>
+                  <a:t>profiles of </a:t>
+                </a:r>
+                <a:r>
+                  <a:rPr lang="en-IE" dirty="0" smtClean="0"/>
+                  <a:t>miRNA </a:t>
+                </a:r>
+                <a14:m>
+                  <m:oMath xmlns:m="http://schemas.openxmlformats.org/officeDocument/2006/math">
+                    <m:sSub>
+                      <m:sSubPr>
+                        <m:ctrlPr>
+                          <a:rPr lang="en-US" i="1">
+                            <a:latin typeface="Cambria Math" panose="02040503050406030204" pitchFamily="18" charset="0"/>
+                          </a:rPr>
+                        </m:ctrlPr>
+                      </m:sSubPr>
+                      <m:e>
+                        <m:r>
+                          <a:rPr lang="en-US" i="1">
+                            <a:latin typeface="Cambria Math" panose="02040503050406030204" pitchFamily="18" charset="0"/>
+                          </a:rPr>
+                          <m:t>𝑚</m:t>
+                        </m:r>
+                      </m:e>
+                      <m:sub>
+                        <m:r>
+                          <a:rPr lang="en-US" i="1">
+                            <a:latin typeface="Cambria Math" panose="02040503050406030204" pitchFamily="18" charset="0"/>
+                          </a:rPr>
+                          <m:t>𝑖</m:t>
+                        </m:r>
+                      </m:sub>
+                    </m:sSub>
+                  </m:oMath>
+                </a14:m>
+                <a:r>
+                  <a:rPr lang="en-IE" dirty="0"/>
+                  <a:t/>
+                </a:r>
+                <a:br>
+                  <a:rPr lang="en-IE" dirty="0"/>
+                </a:br>
+                <a:endParaRPr lang="en-IE" dirty="0"/>
+              </a:p>
+            </p:txBody>
+          </p:sp>
+        </mc:Choice>
+        <mc:Fallback xmlns="">
+          <p:sp>
+            <p:nvSpPr>
+              <p:cNvPr id="3" name="Content Placeholder 2"/>
+              <p:cNvSpPr>
+                <a:spLocks noGrp="1" noRot="1" noChangeAspect="1" noMove="1" noResize="1" noEditPoints="1" noAdjustHandles="1" noChangeArrowheads="1" noChangeShapeType="1" noTextEdit="1"/>
+              </p:cNvSpPr>
+              <p:nvPr>
+                <p:ph idx="1"/>
+              </p:nvPr>
+            </p:nvSpPr>
+            <p:spPr>
+              <a:blipFill>
+                <a:blip r:embed="rId2"/>
+                <a:stretch>
+                  <a:fillRect l="-1043" t="-2241" r="-580"/>
+                </a:stretch>
+              </a:blipFill>
+            </p:spPr>
+            <p:txBody>
+              <a:bodyPr/>
+              <a:lstStyle/>
+              <a:p>
+                <a:r>
+                  <a:rPr lang="en-IE">
+                    <a:noFill/>
+                  </a:rPr>
+                  <a:t> </a:t>
+                </a:r>
+              </a:p>
+            </p:txBody>
+          </p:sp>
+        </mc:Fallback>
+      </mc:AlternateContent>
+      <p:pic>
+        <p:nvPicPr>
+          <p:cNvPr id="4" name="Picture 3"/>
+          <p:cNvPicPr>
+            <a:picLocks noChangeAspect="1"/>
+          </p:cNvPicPr>
+          <p:nvPr/>
+        </p:nvPicPr>
+        <p:blipFill>
+          <a:blip r:embed="rId3"/>
+          <a:stretch>
+            <a:fillRect/>
+          </a:stretch>
+        </p:blipFill>
+        <p:spPr>
+          <a:xfrm>
+            <a:off x="4094225" y="3285455"/>
+            <a:ext cx="4768823" cy="1431677"/>
+          </a:xfrm>
+          <a:prstGeom prst="rect">
+            <a:avLst/>
+          </a:prstGeom>
+        </p:spPr>
+      </p:pic>
+      <p:pic>
+        <p:nvPicPr>
+          <p:cNvPr id="6" name="Picture 5"/>
+          <p:cNvPicPr>
+            <a:picLocks noChangeAspect="1"/>
+          </p:cNvPicPr>
+          <p:nvPr/>
+        </p:nvPicPr>
+        <p:blipFill>
+          <a:blip r:embed="rId4"/>
+          <a:stretch>
+            <a:fillRect/>
+          </a:stretch>
+        </p:blipFill>
+        <p:spPr>
+          <a:xfrm>
+            <a:off x="1003780" y="4849478"/>
+            <a:ext cx="4166558" cy="1371600"/>
+          </a:xfrm>
+          <a:prstGeom prst="rect">
+            <a:avLst/>
+          </a:prstGeom>
+        </p:spPr>
+      </p:pic>
+    </p:spTree>
+    <p:extLst>
+      <p:ext uri="{BB962C8B-B14F-4D97-AF65-F5344CB8AC3E}">
+        <p14:creationId xmlns:p14="http://schemas.microsoft.com/office/powerpoint/2010/main" val="3692223144"/>
+      </p:ext>
+    </p:extLst>
+  </p:cSld>
+  <p:clrMapOvr>
+    <a:masterClrMapping/>
+  </p:clrMapOvr>
+  <p:timing>
+    <p:tnLst>
+      <p:par>
+        <p:cTn id="1" dur="indefinite" restart="never" nodeType="tmRoot"/>
+      </p:par>
+    </p:tnLst>
+  </p:timing>
+</p:sld>
+</file>
+
+<file path=ppt/slides/slide29.xml><?xml version="1.0" encoding="utf-8"?>
+<p:sld xmlns:a="http://schemas.openxmlformats.org/drawingml/2006/main" xmlns:r="http://schemas.openxmlformats.org/officeDocument/2006/relationships" xmlns:p="http://schemas.openxmlformats.org/presentationml/2006/main">
+  <p:cSld>
+    <p:spTree>
+      <p:nvGrpSpPr>
+        <p:cNvPr id="1" name=""/>
+        <p:cNvGrpSpPr/>
+        <p:nvPr/>
+      </p:nvGrpSpPr>
+      <p:grpSpPr>
+        <a:xfrm>
+          <a:off x="0" y="0"/>
+          <a:ext cx="0" cy="0"/>
+          <a:chOff x="0" y="0"/>
+          <a:chExt cx="0" cy="0"/>
+        </a:xfrm>
+      </p:grpSpPr>
+      <p:sp>
+        <p:nvSpPr>
+          <p:cNvPr id="2" name="Title 1"/>
+          <p:cNvSpPr>
+            <a:spLocks noGrp="1"/>
+          </p:cNvSpPr>
+          <p:nvPr>
+            <p:ph type="title"/>
+          </p:nvPr>
+        </p:nvSpPr>
+        <p:spPr/>
+        <p:txBody>
+          <a:bodyPr/>
+          <a:lstStyle/>
+          <a:p>
+            <a:endParaRPr lang="en-IE"/>
+          </a:p>
+        </p:txBody>
+      </p:sp>
+      <p:sp>
+        <p:nvSpPr>
+          <p:cNvPr id="3" name="Content Placeholder 2"/>
+          <p:cNvSpPr>
+            <a:spLocks noGrp="1"/>
+          </p:cNvSpPr>
+          <p:nvPr>
+            <p:ph idx="1"/>
+          </p:nvPr>
+        </p:nvSpPr>
+        <p:spPr/>
+        <p:txBody>
+          <a:bodyPr/>
+          <a:lstStyle/>
+          <a:p>
+            <a:endParaRPr lang="en-IE"/>
+          </a:p>
+        </p:txBody>
+      </p:sp>
+      <p:pic>
+        <p:nvPicPr>
+          <p:cNvPr id="4" name="Picture 3"/>
+          <p:cNvPicPr>
+            <a:picLocks noChangeAspect="1"/>
+          </p:cNvPicPr>
+          <p:nvPr/>
+        </p:nvPicPr>
+        <p:blipFill>
+          <a:blip r:embed="rId2"/>
+          <a:stretch>
+            <a:fillRect/>
+          </a:stretch>
+        </p:blipFill>
+        <p:spPr>
+          <a:xfrm>
+            <a:off x="537387" y="546902"/>
+            <a:ext cx="11117226" cy="5630061"/>
+          </a:xfrm>
+          <a:prstGeom prst="rect">
+            <a:avLst/>
+          </a:prstGeom>
+        </p:spPr>
+      </p:pic>
+    </p:spTree>
+    <p:extLst>
+      <p:ext uri="{BB962C8B-B14F-4D97-AF65-F5344CB8AC3E}">
+        <p14:creationId xmlns:p14="http://schemas.microsoft.com/office/powerpoint/2010/main" val="291594941"/>
+      </p:ext>
+    </p:extLst>
+  </p:cSld>
+  <p:clrMapOvr>
+    <a:masterClrMapping/>
+  </p:clrMapOvr>
+  <p:timing>
+    <p:tnLst>
+      <p:par>
+        <p:cTn id="1" dur="indefinite" restart="never" nodeType="tmRoot"/>
+      </p:par>
+    </p:tnLst>
+  </p:timing>
+</p:sld>
+</file>
+
+<file path=ppt/slides/slide3.xml><?xml version="1.0" encoding="utf-8"?>
+<p:sld xmlns:a="http://schemas.openxmlformats.org/drawingml/2006/main" xmlns:r="http://schemas.openxmlformats.org/officeDocument/2006/relationships" xmlns:p="http://schemas.openxmlformats.org/presentationml/2006/main">
+  <p:cSld>
+    <p:spTree>
+      <p:nvGrpSpPr>
+        <p:cNvPr id="1" name=""/>
+        <p:cNvGrpSpPr/>
+        <p:nvPr/>
+      </p:nvGrpSpPr>
+      <p:grpSpPr>
+        <a:xfrm>
+          <a:off x="0" y="0"/>
+          <a:ext cx="0" cy="0"/>
+          <a:chOff x="0" y="0"/>
+          <a:chExt cx="0" cy="0"/>
+        </a:xfrm>
+      </p:grpSpPr>
+      <p:sp>
+        <p:nvSpPr>
+          <p:cNvPr id="2" name="Title 1"/>
+          <p:cNvSpPr>
+            <a:spLocks noGrp="1"/>
+          </p:cNvSpPr>
+          <p:nvPr>
+            <p:ph type="title"/>
+          </p:nvPr>
+        </p:nvSpPr>
+        <p:spPr/>
+        <p:txBody>
+          <a:bodyPr/>
+          <a:lstStyle/>
+          <a:p>
+            <a:endParaRPr lang="en-IE"/>
+          </a:p>
+        </p:txBody>
+      </p:sp>
+      <p:sp>
+        <p:nvSpPr>
+          <p:cNvPr id="3" name="Content Placeholder 2"/>
+          <p:cNvSpPr>
+            <a:spLocks noGrp="1"/>
+          </p:cNvSpPr>
+          <p:nvPr>
+            <p:ph idx="1"/>
+          </p:nvPr>
+        </p:nvSpPr>
+        <p:spPr/>
+        <p:txBody>
+          <a:bodyPr/>
+          <a:lstStyle/>
+          <a:p>
+            <a:endParaRPr lang="en-IE"/>
+          </a:p>
+        </p:txBody>
+      </p:sp>
+      <p:pic>
+        <p:nvPicPr>
+          <p:cNvPr id="4" name="Picture 3"/>
+          <p:cNvPicPr>
+            <a:picLocks noChangeAspect="1"/>
+          </p:cNvPicPr>
+          <p:nvPr/>
+        </p:nvPicPr>
+        <p:blipFill>
+          <a:blip r:embed="rId2"/>
+          <a:stretch>
+            <a:fillRect/>
+          </a:stretch>
+        </p:blipFill>
+        <p:spPr>
+          <a:xfrm>
+            <a:off x="108702" y="1690688"/>
+            <a:ext cx="11974596" cy="3629532"/>
+          </a:xfrm>
+          <a:prstGeom prst="rect">
+            <a:avLst/>
+          </a:prstGeom>
+        </p:spPr>
+      </p:pic>
+    </p:spTree>
+    <p:extLst>
+      <p:ext uri="{BB962C8B-B14F-4D97-AF65-F5344CB8AC3E}">
+        <p14:creationId xmlns:p14="http://schemas.microsoft.com/office/powerpoint/2010/main" val="2559887591"/>
+      </p:ext>
+    </p:extLst>
+  </p:cSld>
+  <p:clrMapOvr>
+    <a:masterClrMapping/>
+  </p:clrMapOvr>
+  <p:timing>
+    <p:tnLst>
+      <p:par>
+        <p:cTn id="1" dur="indefinite" restart="never" nodeType="tmRoot"/>
+      </p:par>
+    </p:tnLst>
+  </p:timing>
+</p:sld>
+</file>
+
+<file path=ppt/slides/slide30.xml><?xml version="1.0" encoding="utf-8"?>
+<p:sld xmlns:a="http://schemas.openxmlformats.org/drawingml/2006/main" xmlns:r="http://schemas.openxmlformats.org/officeDocument/2006/relationships" xmlns:p="http://schemas.openxmlformats.org/presentationml/2006/main">
+  <p:cSld>
+    <p:spTree>
+      <p:nvGrpSpPr>
+        <p:cNvPr id="1" name=""/>
+        <p:cNvGrpSpPr/>
+        <p:nvPr/>
+      </p:nvGrpSpPr>
+      <p:grpSpPr>
+        <a:xfrm>
+          <a:off x="0" y="0"/>
+          <a:ext cx="0" cy="0"/>
+          <a:chOff x="0" y="0"/>
+          <a:chExt cx="0" cy="0"/>
+        </a:xfrm>
+      </p:grpSpPr>
+      <p:sp>
+        <p:nvSpPr>
+          <p:cNvPr id="2" name="Title 1"/>
+          <p:cNvSpPr>
+            <a:spLocks noGrp="1"/>
+          </p:cNvSpPr>
+          <p:nvPr>
+            <p:ph type="title"/>
+          </p:nvPr>
+        </p:nvSpPr>
+        <p:spPr/>
+        <p:txBody>
+          <a:bodyPr/>
+          <a:lstStyle/>
+          <a:p>
+            <a:endParaRPr lang="en-IE"/>
+          </a:p>
+        </p:txBody>
+      </p:sp>
+      <p:sp>
+        <p:nvSpPr>
+          <p:cNvPr id="3" name="Content Placeholder 2"/>
+          <p:cNvSpPr>
+            <a:spLocks noGrp="1"/>
+          </p:cNvSpPr>
+          <p:nvPr>
+            <p:ph idx="1"/>
+          </p:nvPr>
+        </p:nvSpPr>
+        <p:spPr/>
+        <p:txBody>
+          <a:bodyPr/>
+          <a:lstStyle/>
+          <a:p>
+            <a:endParaRPr lang="en-IE" dirty="0"/>
+          </a:p>
+        </p:txBody>
+      </p:sp>
+      <p:pic>
+        <p:nvPicPr>
+          <p:cNvPr id="4" name="Picture 3"/>
+          <p:cNvPicPr>
+            <a:picLocks noChangeAspect="1"/>
+          </p:cNvPicPr>
+          <p:nvPr/>
+        </p:nvPicPr>
+        <p:blipFill>
+          <a:blip r:embed="rId2"/>
+          <a:stretch>
+            <a:fillRect/>
+          </a:stretch>
+        </p:blipFill>
+        <p:spPr>
+          <a:xfrm>
+            <a:off x="576516" y="1127125"/>
+            <a:ext cx="11038967" cy="4636366"/>
+          </a:xfrm>
+          <a:prstGeom prst="rect">
+            <a:avLst/>
+          </a:prstGeom>
+        </p:spPr>
+      </p:pic>
+    </p:spTree>
+    <p:extLst>
+      <p:ext uri="{BB962C8B-B14F-4D97-AF65-F5344CB8AC3E}">
+        <p14:creationId xmlns:p14="http://schemas.microsoft.com/office/powerpoint/2010/main" val="154824938"/>
+      </p:ext>
+    </p:extLst>
+  </p:cSld>
+  <p:clrMapOvr>
+    <a:masterClrMapping/>
+  </p:clrMapOvr>
+  <p:timing>
+    <p:tnLst>
+      <p:par>
+        <p:cTn id="1" dur="indefinite" restart="never" nodeType="tmRoot"/>
+      </p:par>
+    </p:tnLst>
+  </p:timing>
+</p:sld>
+</file>
+
+<file path=ppt/slides/slide31.xml><?xml version="1.0" encoding="utf-8"?>
+<p:sld xmlns:a="http://schemas.openxmlformats.org/drawingml/2006/main" xmlns:r="http://schemas.openxmlformats.org/officeDocument/2006/relationships" xmlns:p="http://schemas.openxmlformats.org/presentationml/2006/main">
+  <p:cSld>
+    <p:spTree>
+      <p:nvGrpSpPr>
+        <p:cNvPr id="1" name=""/>
+        <p:cNvGrpSpPr/>
+        <p:nvPr/>
+      </p:nvGrpSpPr>
+      <p:grpSpPr>
+        <a:xfrm>
+          <a:off x="0" y="0"/>
+          <a:ext cx="0" cy="0"/>
+          <a:chOff x="0" y="0"/>
+          <a:chExt cx="0" cy="0"/>
+        </a:xfrm>
+      </p:grpSpPr>
+      <p:sp>
+        <p:nvSpPr>
+          <p:cNvPr id="2" name="Title 1"/>
+          <p:cNvSpPr>
+            <a:spLocks noGrp="1"/>
+          </p:cNvSpPr>
+          <p:nvPr>
+            <p:ph type="ctrTitle"/>
+          </p:nvPr>
+        </p:nvSpPr>
+        <p:spPr>
+          <a:xfrm>
+            <a:off x="1328057" y="2350272"/>
+            <a:ext cx="9144000" cy="2387600"/>
+          </a:xfrm>
+        </p:spPr>
+        <p:txBody>
+          <a:bodyPr/>
+          <a:lstStyle/>
+          <a:p>
+            <a:r>
+              <a:rPr lang="en-US" dirty="0" smtClean="0"/>
+              <a:t>Overview</a:t>
+            </a:r>
+            <a:endParaRPr lang="en-IE" dirty="0"/>
+          </a:p>
+        </p:txBody>
+      </p:sp>
+      <p:sp>
+        <p:nvSpPr>
+          <p:cNvPr id="5" name="Subtitle 4"/>
+          <p:cNvSpPr>
+            <a:spLocks noGrp="1"/>
+          </p:cNvSpPr>
+          <p:nvPr>
+            <p:ph type="subTitle" idx="1"/>
+          </p:nvPr>
+        </p:nvSpPr>
+        <p:spPr>
+          <a:xfrm>
+            <a:off x="0" y="2021433"/>
+            <a:ext cx="9144000" cy="929730"/>
+          </a:xfrm>
+        </p:spPr>
+        <p:txBody>
+          <a:bodyPr>
+            <a:normAutofit/>
+          </a:bodyPr>
+          <a:lstStyle/>
+          <a:p>
+            <a:pPr algn="l"/>
+            <a:r>
+              <a:rPr lang="en-US" sz="4000" dirty="0" smtClean="0"/>
+              <a:t>Part 4</a:t>
+            </a:r>
+            <a:endParaRPr lang="en-IE" sz="4000" dirty="0"/>
+          </a:p>
+        </p:txBody>
+      </p:sp>
+    </p:spTree>
+    <p:extLst>
+      <p:ext uri="{BB962C8B-B14F-4D97-AF65-F5344CB8AC3E}">
+        <p14:creationId xmlns:p14="http://schemas.microsoft.com/office/powerpoint/2010/main" val="2128962900"/>
+      </p:ext>
+    </p:extLst>
+  </p:cSld>
+  <p:clrMapOvr>
+    <a:masterClrMapping/>
+  </p:clrMapOvr>
+  <p:timing>
+    <p:tnLst>
+      <p:par>
+        <p:cTn id="1" dur="indefinite" restart="never" nodeType="tmRoot"/>
+      </p:par>
+    </p:tnLst>
+  </p:timing>
+</p:sld>
+</file>
+
+<file path=ppt/slides/slide32.xml><?xml version="1.0" encoding="utf-8"?>
+<p:sld xmlns:a="http://schemas.openxmlformats.org/drawingml/2006/main" xmlns:r="http://schemas.openxmlformats.org/officeDocument/2006/relationships" xmlns:p="http://schemas.openxmlformats.org/presentationml/2006/main">
+  <p:cSld>
+    <p:spTree>
+      <p:nvGrpSpPr>
+        <p:cNvPr id="1" name=""/>
+        <p:cNvGrpSpPr/>
+        <p:nvPr/>
+      </p:nvGrpSpPr>
+      <p:grpSpPr>
+        <a:xfrm>
+          <a:off x="0" y="0"/>
+          <a:ext cx="0" cy="0"/>
+          <a:chOff x="0" y="0"/>
+          <a:chExt cx="0" cy="0"/>
+        </a:xfrm>
+      </p:grpSpPr>
+      <p:sp>
+        <p:nvSpPr>
+          <p:cNvPr id="7" name="Title 6"/>
+          <p:cNvSpPr>
+            <a:spLocks noGrp="1"/>
+          </p:cNvSpPr>
+          <p:nvPr>
+            <p:ph type="title"/>
+          </p:nvPr>
+        </p:nvSpPr>
+        <p:spPr/>
+        <p:txBody>
+          <a:bodyPr/>
+          <a:lstStyle/>
+          <a:p>
+            <a:endParaRPr lang="en-IE"/>
+          </a:p>
+        </p:txBody>
+      </p:sp>
+      <p:sp>
+        <p:nvSpPr>
+          <p:cNvPr id="8" name="Text Placeholder 7"/>
+          <p:cNvSpPr>
+            <a:spLocks noGrp="1"/>
+          </p:cNvSpPr>
+          <p:nvPr>
+            <p:ph type="body" idx="1"/>
+          </p:nvPr>
+        </p:nvSpPr>
+        <p:spPr/>
+        <p:txBody>
+          <a:bodyPr/>
+          <a:lstStyle/>
+          <a:p>
+            <a:r>
+              <a:rPr lang="en-US" dirty="0" smtClean="0"/>
+              <a:t>Strengths </a:t>
+            </a:r>
+            <a:endParaRPr lang="en-IE" dirty="0"/>
+          </a:p>
+        </p:txBody>
+      </p:sp>
+      <p:sp>
+        <p:nvSpPr>
+          <p:cNvPr id="9" name="Content Placeholder 8"/>
+          <p:cNvSpPr>
+            <a:spLocks noGrp="1"/>
+          </p:cNvSpPr>
+          <p:nvPr>
+            <p:ph sz="half" idx="2"/>
+          </p:nvPr>
+        </p:nvSpPr>
+        <p:spPr/>
+        <p:txBody>
+          <a:bodyPr/>
+          <a:lstStyle/>
+          <a:p>
+            <a:r>
+              <a:rPr lang="en-US" dirty="0" smtClean="0"/>
+              <a:t>Evolution of one idea</a:t>
+            </a:r>
+          </a:p>
+          <a:p>
+            <a:r>
+              <a:rPr lang="en-US" dirty="0" smtClean="0"/>
+              <a:t>Each unit can be read independently</a:t>
+            </a:r>
+          </a:p>
+          <a:p>
+            <a:r>
+              <a:rPr lang="en-US" dirty="0" smtClean="0"/>
+              <a:t>Explained the process behind the calculation</a:t>
+            </a:r>
+          </a:p>
+          <a:p>
+            <a:r>
+              <a:rPr lang="en-US" dirty="0" smtClean="0"/>
+              <a:t>Experiments validate the quality of the similarity </a:t>
+            </a:r>
+            <a:endParaRPr lang="en-IE" dirty="0"/>
+          </a:p>
+        </p:txBody>
+      </p:sp>
+      <p:sp>
+        <p:nvSpPr>
+          <p:cNvPr id="10" name="Text Placeholder 9"/>
+          <p:cNvSpPr>
+            <a:spLocks noGrp="1"/>
+          </p:cNvSpPr>
+          <p:nvPr>
+            <p:ph type="body" sz="quarter" idx="3"/>
+          </p:nvPr>
+        </p:nvSpPr>
+        <p:spPr/>
+        <p:txBody>
+          <a:bodyPr/>
+          <a:lstStyle/>
+          <a:p>
+            <a:r>
+              <a:rPr lang="en-IE" dirty="0" smtClean="0"/>
+              <a:t>Weaknesses</a:t>
+            </a:r>
+            <a:endParaRPr lang="en-IE" dirty="0"/>
+          </a:p>
+        </p:txBody>
+      </p:sp>
+      <p:sp>
+        <p:nvSpPr>
+          <p:cNvPr id="11" name="Content Placeholder 10"/>
+          <p:cNvSpPr>
+            <a:spLocks noGrp="1"/>
+          </p:cNvSpPr>
+          <p:nvPr>
+            <p:ph sz="quarter" idx="4"/>
+          </p:nvPr>
+        </p:nvSpPr>
+        <p:spPr/>
+        <p:txBody>
+          <a:bodyPr/>
+          <a:lstStyle/>
+          <a:p>
+            <a:r>
+              <a:rPr lang="en-US" dirty="0" smtClean="0"/>
+              <a:t>The changes among them are minimal</a:t>
+            </a:r>
+          </a:p>
+          <a:p>
+            <a:r>
+              <a:rPr lang="en-US" dirty="0" smtClean="0"/>
+              <a:t>Feel like the same paper</a:t>
+            </a:r>
+          </a:p>
+          <a:p>
+            <a:r>
+              <a:rPr lang="en-US" dirty="0" smtClean="0"/>
+              <a:t>A lot of time explaining formulas explained in previous papers</a:t>
+            </a:r>
+            <a:endParaRPr lang="en-IE" dirty="0"/>
+          </a:p>
+        </p:txBody>
+      </p:sp>
+    </p:spTree>
+    <p:extLst>
+      <p:ext uri="{BB962C8B-B14F-4D97-AF65-F5344CB8AC3E}">
+        <p14:creationId xmlns:p14="http://schemas.microsoft.com/office/powerpoint/2010/main" val="51690018"/>
+      </p:ext>
+    </p:extLst>
+  </p:cSld>
+  <p:clrMapOvr>
+    <a:masterClrMapping/>
+  </p:clrMapOvr>
+  <p:timing>
+    <p:tnLst>
+      <p:par>
+        <p:cTn id="1" dur="indefinite" restart="never" nodeType="tmRoot"/>
+      </p:par>
+    </p:tnLst>
+  </p:timing>
+</p:sld>
+</file>
+
+<file path=ppt/slides/slide33.xml><?xml version="1.0" encoding="utf-8"?>
+<p:sld xmlns:a="http://schemas.openxmlformats.org/drawingml/2006/main" xmlns:r="http://schemas.openxmlformats.org/officeDocument/2006/relationships" xmlns:p="http://schemas.openxmlformats.org/presentationml/2006/main">
+  <p:cSld>
+    <p:spTree>
+      <p:nvGrpSpPr>
+        <p:cNvPr id="1" name=""/>
+        <p:cNvGrpSpPr/>
+        <p:nvPr/>
+      </p:nvGrpSpPr>
+      <p:grpSpPr>
+        <a:xfrm>
+          <a:off x="0" y="0"/>
+          <a:ext cx="0" cy="0"/>
+          <a:chOff x="0" y="0"/>
+          <a:chExt cx="0" cy="0"/>
+        </a:xfrm>
+      </p:grpSpPr>
+      <p:sp>
+        <p:nvSpPr>
+          <p:cNvPr id="2" name="Title 1"/>
+          <p:cNvSpPr>
+            <a:spLocks noGrp="1"/>
+          </p:cNvSpPr>
+          <p:nvPr>
+            <p:ph type="title"/>
+          </p:nvPr>
+        </p:nvSpPr>
+        <p:spPr>
+          <a:xfrm>
+            <a:off x="994954" y="3069136"/>
+            <a:ext cx="10515600" cy="1325563"/>
+          </a:xfrm>
+        </p:spPr>
+        <p:txBody>
+          <a:bodyPr/>
+          <a:lstStyle/>
+          <a:p>
+            <a:r>
+              <a:rPr lang="en-US" dirty="0" smtClean="0"/>
+              <a:t>Thank you!!</a:t>
+            </a:r>
+            <a:endParaRPr lang="en-IE" dirty="0"/>
+          </a:p>
+        </p:txBody>
+      </p:sp>
+    </p:spTree>
+    <p:extLst>
+      <p:ext uri="{BB962C8B-B14F-4D97-AF65-F5344CB8AC3E}">
+        <p14:creationId xmlns:p14="http://schemas.microsoft.com/office/powerpoint/2010/main" val="2255952208"/>
+      </p:ext>
+    </p:extLst>
+  </p:cSld>
+  <p:clrMapOvr>
+    <a:masterClrMapping/>
+  </p:clrMapOvr>
+  <p:timing>
+    <p:tnLst>
+      <p:par>
+        <p:cTn id="1" dur="indefinite" restart="never" nodeType="tmRoot"/>
+      </p:par>
+    </p:tnLst>
+  </p:timing>
+</p:sld>
+</file>
+
+<file path=ppt/slides/slide34.xml><?xml version="1.0" encoding="utf-8"?>
 <p:sld xmlns:a="http://schemas.openxmlformats.org/drawingml/2006/main" xmlns:r="http://schemas.openxmlformats.org/officeDocument/2006/relationships" xmlns:p="http://schemas.openxmlformats.org/presentationml/2006/main">
   <p:cSld>
     <p:spTree>
@@ -6759,446 +8262,17 @@
   <p:clrMapOvr>
     <a:masterClrMapping/>
   </p:clrMapOvr>
-</p:sld>
-</file>
-
-<file path=ppt/slides/slide28.xml><?xml version="1.0" encoding="utf-8"?>
-<p:sld xmlns:a="http://schemas.openxmlformats.org/drawingml/2006/main" xmlns:r="http://schemas.openxmlformats.org/officeDocument/2006/relationships" xmlns:p="http://schemas.openxmlformats.org/presentationml/2006/main">
-  <p:cSld>
-    <p:spTree>
-      <p:nvGrpSpPr>
-        <p:cNvPr id="1" name=""/>
-        <p:cNvGrpSpPr/>
-        <p:nvPr/>
-      </p:nvGrpSpPr>
-      <p:grpSpPr>
-        <a:xfrm>
-          <a:off x="0" y="0"/>
-          <a:ext cx="0" cy="0"/>
-          <a:chOff x="0" y="0"/>
-          <a:chExt cx="0" cy="0"/>
-        </a:xfrm>
-      </p:grpSpPr>
-      <p:sp>
-        <p:nvSpPr>
-          <p:cNvPr id="2" name="Title 1"/>
-          <p:cNvSpPr>
-            <a:spLocks noGrp="1"/>
-          </p:cNvSpPr>
-          <p:nvPr>
-            <p:ph type="title"/>
-          </p:nvPr>
-        </p:nvSpPr>
-        <p:spPr/>
-        <p:txBody>
-          <a:bodyPr/>
-          <a:lstStyle/>
-          <a:p>
-            <a:endParaRPr lang="en-IE"/>
-          </a:p>
-        </p:txBody>
-      </p:sp>
-      <p:sp>
-        <p:nvSpPr>
-          <p:cNvPr id="3" name="Content Placeholder 2"/>
-          <p:cNvSpPr>
-            <a:spLocks noGrp="1"/>
-          </p:cNvSpPr>
-          <p:nvPr>
-            <p:ph idx="1"/>
-          </p:nvPr>
-        </p:nvSpPr>
-        <p:spPr/>
-        <p:txBody>
-          <a:bodyPr/>
-          <a:lstStyle/>
-          <a:p>
-            <a:endParaRPr lang="en-IE"/>
-          </a:p>
-        </p:txBody>
-      </p:sp>
-      <p:pic>
-        <p:nvPicPr>
-          <p:cNvPr id="4" name="Picture 3"/>
-          <p:cNvPicPr>
-            <a:picLocks noChangeAspect="1"/>
-          </p:cNvPicPr>
-          <p:nvPr/>
-        </p:nvPicPr>
-        <p:blipFill>
-          <a:blip r:embed="rId2"/>
-          <a:stretch>
-            <a:fillRect/>
-          </a:stretch>
-        </p:blipFill>
-        <p:spPr>
-          <a:xfrm>
-            <a:off x="537387" y="546902"/>
-            <a:ext cx="11117226" cy="5630061"/>
-          </a:xfrm>
-          <a:prstGeom prst="rect">
-            <a:avLst/>
-          </a:prstGeom>
-        </p:spPr>
-      </p:pic>
-    </p:spTree>
-    <p:extLst>
-      <p:ext uri="{BB962C8B-B14F-4D97-AF65-F5344CB8AC3E}">
-        <p14:creationId xmlns:p14="http://schemas.microsoft.com/office/powerpoint/2010/main" val="291594941"/>
-      </p:ext>
-    </p:extLst>
-  </p:cSld>
-  <p:clrMapOvr>
-    <a:masterClrMapping/>
-  </p:clrMapOvr>
-</p:sld>
-</file>
-
-<file path=ppt/slides/slide3.xml><?xml version="1.0" encoding="utf-8"?>
-<p:sld xmlns:a="http://schemas.openxmlformats.org/drawingml/2006/main" xmlns:r="http://schemas.openxmlformats.org/officeDocument/2006/relationships" xmlns:p="http://schemas.openxmlformats.org/presentationml/2006/main" show="0">
-  <p:cSld>
-    <p:spTree>
-      <p:nvGrpSpPr>
-        <p:cNvPr id="1" name=""/>
-        <p:cNvGrpSpPr/>
-        <p:nvPr/>
-      </p:nvGrpSpPr>
-      <p:grpSpPr>
-        <a:xfrm>
-          <a:off x="0" y="0"/>
-          <a:ext cx="0" cy="0"/>
-          <a:chOff x="0" y="0"/>
-          <a:chExt cx="0" cy="0"/>
-        </a:xfrm>
-      </p:grpSpPr>
-      <p:sp>
-        <p:nvSpPr>
-          <p:cNvPr id="2" name="Title 1"/>
-          <p:cNvSpPr>
-            <a:spLocks noGrp="1"/>
-          </p:cNvSpPr>
-          <p:nvPr>
-            <p:ph type="title"/>
-          </p:nvPr>
-        </p:nvSpPr>
-        <p:spPr/>
-        <p:txBody>
-          <a:bodyPr/>
-          <a:lstStyle/>
-          <a:p>
-            <a:r>
-              <a:rPr lang="en-US" dirty="0" smtClean="0"/>
-              <a:t>MicroRNA</a:t>
-            </a:r>
-            <a:endParaRPr lang="en-IE" dirty="0"/>
-          </a:p>
-        </p:txBody>
-      </p:sp>
-      <p:sp>
-        <p:nvSpPr>
-          <p:cNvPr id="3" name="Content Placeholder 2"/>
-          <p:cNvSpPr>
-            <a:spLocks noGrp="1"/>
-          </p:cNvSpPr>
-          <p:nvPr>
-            <p:ph idx="1"/>
-          </p:nvPr>
-        </p:nvSpPr>
-        <p:spPr/>
-        <p:txBody>
-          <a:bodyPr/>
-          <a:lstStyle/>
-          <a:p>
-            <a:pPr marL="457200" indent="-457200">
-              <a:lnSpc>
-                <a:spcPct val="200000"/>
-              </a:lnSpc>
-            </a:pPr>
-            <a:r>
-              <a:rPr lang="en-US" dirty="0">
-                <a:solidFill>
-                  <a:schemeClr val="bg2">
-                    <a:lumMod val="10000"/>
-                  </a:schemeClr>
-                </a:solidFill>
-              </a:rPr>
-              <a:t>non-coding RNAs </a:t>
-            </a:r>
-          </a:p>
-          <a:p>
-            <a:pPr marL="457200" indent="-457200">
-              <a:lnSpc>
-                <a:spcPct val="200000"/>
-              </a:lnSpc>
-            </a:pPr>
-            <a:r>
-              <a:rPr lang="en-US" dirty="0">
-                <a:solidFill>
-                  <a:schemeClr val="bg2">
-                    <a:lumMod val="10000"/>
-                  </a:schemeClr>
-                </a:solidFill>
-              </a:rPr>
-              <a:t>regulation of gene expression</a:t>
-            </a:r>
-          </a:p>
-          <a:p>
-            <a:pPr marL="457200" indent="-457200">
-              <a:lnSpc>
-                <a:spcPct val="200000"/>
-              </a:lnSpc>
-            </a:pPr>
-            <a:r>
-              <a:rPr lang="en-US" dirty="0">
-                <a:solidFill>
-                  <a:schemeClr val="bg2">
-                    <a:lumMod val="10000"/>
-                  </a:schemeClr>
-                </a:solidFill>
-              </a:rPr>
-              <a:t>14 and 33</a:t>
-            </a:r>
-            <a:r>
-              <a:rPr lang="en-IE" dirty="0">
-                <a:solidFill>
-                  <a:schemeClr val="bg2">
-                    <a:lumMod val="10000"/>
-                  </a:schemeClr>
-                </a:solidFill>
-              </a:rPr>
-              <a:t> nucleotides</a:t>
-            </a:r>
-            <a:endParaRPr lang="en-US" dirty="0">
-              <a:solidFill>
-                <a:schemeClr val="bg2">
-                  <a:lumMod val="10000"/>
-                </a:schemeClr>
-              </a:solidFill>
-            </a:endParaRPr>
-          </a:p>
-          <a:p>
-            <a:endParaRPr lang="en-IE" dirty="0"/>
-          </a:p>
-        </p:txBody>
-      </p:sp>
-    </p:spTree>
-    <p:extLst>
-      <p:ext uri="{BB962C8B-B14F-4D97-AF65-F5344CB8AC3E}">
-        <p14:creationId xmlns:p14="http://schemas.microsoft.com/office/powerpoint/2010/main" val="3859782404"/>
-      </p:ext>
-    </p:extLst>
-  </p:cSld>
-  <p:clrMapOvr>
-    <a:masterClrMapping/>
-  </p:clrMapOvr>
-  <mc:AlternateContent xmlns:mc="http://schemas.openxmlformats.org/markup-compatibility/2006">
-    <mc:Choice xmlns:p14="http://schemas.microsoft.com/office/powerpoint/2010/main" Requires="p14">
-      <p:transition spd="slow" p14:dur="2000"/>
-    </mc:Choice>
-    <mc:Fallback>
-      <p:transition spd="slow"/>
-    </mc:Fallback>
-  </mc:AlternateContent>
+  <p:timing>
+    <p:tnLst>
+      <p:par>
+        <p:cTn id="1" dur="indefinite" restart="never" nodeType="tmRoot"/>
+      </p:par>
+    </p:tnLst>
+  </p:timing>
 </p:sld>
 </file>
 
 <file path=ppt/slides/slide4.xml><?xml version="1.0" encoding="utf-8"?>
-<p:sld xmlns:a="http://schemas.openxmlformats.org/drawingml/2006/main" xmlns:r="http://schemas.openxmlformats.org/officeDocument/2006/relationships" xmlns:p="http://schemas.openxmlformats.org/presentationml/2006/main">
-  <p:cSld>
-    <p:spTree>
-      <p:nvGrpSpPr>
-        <p:cNvPr id="1" name=""/>
-        <p:cNvGrpSpPr/>
-        <p:nvPr/>
-      </p:nvGrpSpPr>
-      <p:grpSpPr>
-        <a:xfrm>
-          <a:off x="0" y="0"/>
-          <a:ext cx="0" cy="0"/>
-          <a:chOff x="0" y="0"/>
-          <a:chExt cx="0" cy="0"/>
-        </a:xfrm>
-      </p:grpSpPr>
-      <p:sp>
-        <p:nvSpPr>
-          <p:cNvPr id="2" name="Title 1"/>
-          <p:cNvSpPr>
-            <a:spLocks noGrp="1"/>
-          </p:cNvSpPr>
-          <p:nvPr>
-            <p:ph type="title"/>
-          </p:nvPr>
-        </p:nvSpPr>
-        <p:spPr/>
-        <p:txBody>
-          <a:bodyPr/>
-          <a:lstStyle/>
-          <a:p>
-            <a:endParaRPr lang="en-IE" dirty="0"/>
-          </a:p>
-        </p:txBody>
-      </p:sp>
-      <p:sp>
-        <p:nvSpPr>
-          <p:cNvPr id="3" name="Content Placeholder 2"/>
-          <p:cNvSpPr>
-            <a:spLocks noGrp="1"/>
-          </p:cNvSpPr>
-          <p:nvPr>
-            <p:ph idx="1"/>
-          </p:nvPr>
-        </p:nvSpPr>
-        <p:spPr/>
-        <p:txBody>
-          <a:bodyPr/>
-          <a:lstStyle/>
-          <a:p>
-            <a:r>
-              <a:rPr lang="en-IE" dirty="0" smtClean="0"/>
-              <a:t>School of </a:t>
-            </a:r>
-            <a:r>
-              <a:rPr lang="en-IE" dirty="0"/>
-              <a:t>Information </a:t>
-            </a:r>
-            <a:r>
-              <a:rPr lang="en-IE" dirty="0" smtClean="0"/>
-              <a:t>and Control Engineering, China University of Mining and Technology, Xuzhou</a:t>
-            </a:r>
-            <a:r>
-              <a:rPr lang="en-IE" dirty="0"/>
-              <a:t>, </a:t>
-            </a:r>
-            <a:r>
-              <a:rPr lang="en-IE" dirty="0" smtClean="0"/>
-              <a:t>China</a:t>
-            </a:r>
-          </a:p>
-          <a:p>
-            <a:r>
-              <a:rPr lang="en-IE" dirty="0" smtClean="0"/>
-              <a:t>Business Analytics Centre, National University of </a:t>
-            </a:r>
-            <a:r>
-              <a:rPr lang="en-IE" dirty="0"/>
-              <a:t>Singapore, </a:t>
-            </a:r>
-            <a:r>
-              <a:rPr lang="en-IE" dirty="0" smtClean="0"/>
-              <a:t>Singapore</a:t>
-            </a:r>
-          </a:p>
-          <a:p>
-            <a:endParaRPr lang="en-IE" dirty="0"/>
-          </a:p>
-        </p:txBody>
-      </p:sp>
-    </p:spTree>
-    <p:extLst>
-      <p:ext uri="{BB962C8B-B14F-4D97-AF65-F5344CB8AC3E}">
-        <p14:creationId xmlns:p14="http://schemas.microsoft.com/office/powerpoint/2010/main" val="1511495976"/>
-      </p:ext>
-    </p:extLst>
-  </p:cSld>
-  <p:clrMapOvr>
-    <a:masterClrMapping/>
-  </p:clrMapOvr>
-</p:sld>
-</file>
-
-<file path=ppt/slides/slide5.xml><?xml version="1.0" encoding="utf-8"?>
-<p:sld xmlns:a="http://schemas.openxmlformats.org/drawingml/2006/main" xmlns:r="http://schemas.openxmlformats.org/officeDocument/2006/relationships" xmlns:p="http://schemas.openxmlformats.org/presentationml/2006/main">
-  <p:cSld>
-    <p:spTree>
-      <p:nvGrpSpPr>
-        <p:cNvPr id="1" name=""/>
-        <p:cNvGrpSpPr/>
-        <p:nvPr/>
-      </p:nvGrpSpPr>
-      <p:grpSpPr>
-        <a:xfrm>
-          <a:off x="0" y="0"/>
-          <a:ext cx="0" cy="0"/>
-          <a:chOff x="0" y="0"/>
-          <a:chExt cx="0" cy="0"/>
-        </a:xfrm>
-      </p:grpSpPr>
-      <p:sp>
-        <p:nvSpPr>
-          <p:cNvPr id="2" name="Title 1"/>
-          <p:cNvSpPr>
-            <a:spLocks noGrp="1"/>
-          </p:cNvSpPr>
-          <p:nvPr>
-            <p:ph type="title"/>
-          </p:nvPr>
-        </p:nvSpPr>
-        <p:spPr/>
-        <p:txBody>
-          <a:bodyPr/>
-          <a:lstStyle/>
-          <a:p>
-            <a:endParaRPr lang="en-IE"/>
-          </a:p>
-        </p:txBody>
-      </p:sp>
-      <p:sp>
-        <p:nvSpPr>
-          <p:cNvPr id="3" name="Content Placeholder 2"/>
-          <p:cNvSpPr>
-            <a:spLocks noGrp="1"/>
-          </p:cNvSpPr>
-          <p:nvPr>
-            <p:ph idx="1"/>
-          </p:nvPr>
-        </p:nvSpPr>
-        <p:spPr/>
-        <p:txBody>
-          <a:bodyPr/>
-          <a:lstStyle/>
-          <a:p>
-            <a:endParaRPr lang="en-IE"/>
-          </a:p>
-        </p:txBody>
-      </p:sp>
-      <p:pic>
-        <p:nvPicPr>
-          <p:cNvPr id="4" name="Picture 3"/>
-          <p:cNvPicPr>
-            <a:picLocks noChangeAspect="1"/>
-          </p:cNvPicPr>
-          <p:nvPr/>
-        </p:nvPicPr>
-        <p:blipFill>
-          <a:blip r:embed="rId2"/>
-          <a:stretch>
-            <a:fillRect/>
-          </a:stretch>
-        </p:blipFill>
-        <p:spPr>
-          <a:xfrm>
-            <a:off x="108702" y="1690688"/>
-            <a:ext cx="11974596" cy="3629532"/>
-          </a:xfrm>
-          <a:prstGeom prst="rect">
-            <a:avLst/>
-          </a:prstGeom>
-        </p:spPr>
-      </p:pic>
-    </p:spTree>
-    <p:extLst>
-      <p:ext uri="{BB962C8B-B14F-4D97-AF65-F5344CB8AC3E}">
-        <p14:creationId xmlns:p14="http://schemas.microsoft.com/office/powerpoint/2010/main" val="2559887591"/>
-      </p:ext>
-    </p:extLst>
-  </p:cSld>
-  <p:clrMapOvr>
-    <a:masterClrMapping/>
-  </p:clrMapOvr>
-</p:sld>
-</file>
-
-<file path=ppt/slides/slide6.xml><?xml version="1.0" encoding="utf-8"?>
 <p:sld xmlns:a="http://schemas.openxmlformats.org/drawingml/2006/main" xmlns:r="http://schemas.openxmlformats.org/officeDocument/2006/relationships" xmlns:p="http://schemas.openxmlformats.org/presentationml/2006/main">
   <p:cSld>
     <p:spTree>
@@ -7287,10 +8361,17 @@
   <p:clrMapOvr>
     <a:masterClrMapping/>
   </p:clrMapOvr>
+  <p:timing>
+    <p:tnLst>
+      <p:par>
+        <p:cTn id="1" dur="indefinite" restart="never" nodeType="tmRoot"/>
+      </p:par>
+    </p:tnLst>
+  </p:timing>
 </p:sld>
 </file>
 
-<file path=ppt/slides/slide7.xml><?xml version="1.0" encoding="utf-8"?>
+<file path=ppt/slides/slide5.xml><?xml version="1.0" encoding="utf-8"?>
 <p:sld xmlns:a="http://schemas.openxmlformats.org/drawingml/2006/main" xmlns:r="http://schemas.openxmlformats.org/officeDocument/2006/relationships" xmlns:p="http://schemas.openxmlformats.org/presentationml/2006/main">
   <p:cSld>
     <p:spTree>
@@ -7423,10 +8504,17 @@
   <p:clrMapOvr>
     <a:masterClrMapping/>
   </p:clrMapOvr>
+  <p:timing>
+    <p:tnLst>
+      <p:par>
+        <p:cTn id="1" dur="indefinite" restart="never" nodeType="tmRoot"/>
+      </p:par>
+    </p:tnLst>
+  </p:timing>
 </p:sld>
 </file>
 
-<file path=ppt/slides/slide8.xml><?xml version="1.0" encoding="utf-8"?>
+<file path=ppt/slides/slide6.xml><?xml version="1.0" encoding="utf-8"?>
 <p:sld xmlns:a="http://schemas.openxmlformats.org/drawingml/2006/main" xmlns:r="http://schemas.openxmlformats.org/officeDocument/2006/relationships" xmlns:p="http://schemas.openxmlformats.org/presentationml/2006/main">
   <p:cSld>
     <p:spTree>
@@ -7560,10 +8648,17 @@
   <p:clrMapOvr>
     <a:masterClrMapping/>
   </p:clrMapOvr>
+  <p:timing>
+    <p:tnLst>
+      <p:par>
+        <p:cTn id="1" dur="indefinite" restart="never" nodeType="tmRoot"/>
+      </p:par>
+    </p:tnLst>
+  </p:timing>
 </p:sld>
 </file>
 
-<file path=ppt/slides/slide9.xml><?xml version="1.0" encoding="utf-8"?>
+<file path=ppt/slides/slide7.xml><?xml version="1.0" encoding="utf-8"?>
 <p:sld xmlns:a="http://schemas.openxmlformats.org/drawingml/2006/main" xmlns:r="http://schemas.openxmlformats.org/officeDocument/2006/relationships" xmlns:p="http://schemas.openxmlformats.org/presentationml/2006/main">
   <p:cSld>
     <p:spTree>
@@ -7652,13 +8747,238 @@
   <p:clrMapOvr>
     <a:masterClrMapping/>
   </p:clrMapOvr>
+  <p:timing>
+    <p:tnLst>
+      <p:par>
+        <p:cTn id="1" dur="indefinite" restart="never" nodeType="tmRoot"/>
+      </p:par>
+    </p:tnLst>
+  </p:timing>
 </p:sld>
 </file>
 
-<file path=ppt/tags/tag1.xml><?xml version="1.0" encoding="utf-8"?>
-<p:tagLst xmlns:a="http://schemas.openxmlformats.org/drawingml/2006/main" xmlns:r="http://schemas.openxmlformats.org/officeDocument/2006/relationships" xmlns:p="http://schemas.openxmlformats.org/presentationml/2006/main">
-  <p:tag name="TIMING" val="|0.7|2.6|3"/>
-</p:tagLst>
+<file path=ppt/slides/slide8.xml><?xml version="1.0" encoding="utf-8"?>
+<p:sld xmlns:a="http://schemas.openxmlformats.org/drawingml/2006/main" xmlns:r="http://schemas.openxmlformats.org/officeDocument/2006/relationships" xmlns:p="http://schemas.openxmlformats.org/presentationml/2006/main">
+  <p:cSld>
+    <p:spTree>
+      <p:nvGrpSpPr>
+        <p:cNvPr id="1" name=""/>
+        <p:cNvGrpSpPr/>
+        <p:nvPr/>
+      </p:nvGrpSpPr>
+      <p:grpSpPr>
+        <a:xfrm>
+          <a:off x="0" y="0"/>
+          <a:ext cx="0" cy="0"/>
+          <a:chOff x="0" y="0"/>
+          <a:chExt cx="0" cy="0"/>
+        </a:xfrm>
+      </p:grpSpPr>
+      <p:sp>
+        <p:nvSpPr>
+          <p:cNvPr id="2" name="Title 1"/>
+          <p:cNvSpPr>
+            <a:spLocks noGrp="1"/>
+          </p:cNvSpPr>
+          <p:nvPr>
+            <p:ph type="title"/>
+          </p:nvPr>
+        </p:nvSpPr>
+        <p:spPr/>
+        <p:txBody>
+          <a:bodyPr/>
+          <a:lstStyle/>
+          <a:p>
+            <a:endParaRPr lang="en-IE"/>
+          </a:p>
+        </p:txBody>
+      </p:sp>
+      <p:sp>
+        <p:nvSpPr>
+          <p:cNvPr id="3" name="Content Placeholder 2"/>
+          <p:cNvSpPr>
+            <a:spLocks noGrp="1"/>
+          </p:cNvSpPr>
+          <p:nvPr>
+            <p:ph idx="1"/>
+          </p:nvPr>
+        </p:nvSpPr>
+        <p:spPr/>
+        <p:txBody>
+          <a:bodyPr/>
+          <a:lstStyle/>
+          <a:p>
+            <a:endParaRPr lang="en-IE"/>
+          </a:p>
+        </p:txBody>
+      </p:sp>
+      <p:pic>
+        <p:nvPicPr>
+          <p:cNvPr id="4" name="Picture 3"/>
+          <p:cNvPicPr>
+            <a:picLocks noChangeAspect="1"/>
+          </p:cNvPicPr>
+          <p:nvPr/>
+        </p:nvPicPr>
+        <p:blipFill>
+          <a:blip r:embed="rId2"/>
+          <a:stretch>
+            <a:fillRect/>
+          </a:stretch>
+        </p:blipFill>
+        <p:spPr>
+          <a:xfrm>
+            <a:off x="838200" y="1159419"/>
+            <a:ext cx="10507541" cy="3905795"/>
+          </a:xfrm>
+          <a:prstGeom prst="rect">
+            <a:avLst/>
+          </a:prstGeom>
+        </p:spPr>
+      </p:pic>
+    </p:spTree>
+    <p:extLst>
+      <p:ext uri="{BB962C8B-B14F-4D97-AF65-F5344CB8AC3E}">
+        <p14:creationId xmlns:p14="http://schemas.microsoft.com/office/powerpoint/2010/main" val="615396980"/>
+      </p:ext>
+    </p:extLst>
+  </p:cSld>
+  <p:clrMapOvr>
+    <a:masterClrMapping/>
+  </p:clrMapOvr>
+  <p:timing>
+    <p:tnLst>
+      <p:par>
+        <p:cTn id="1" dur="indefinite" restart="never" nodeType="tmRoot"/>
+      </p:par>
+    </p:tnLst>
+  </p:timing>
+</p:sld>
+</file>
+
+<file path=ppt/slides/slide9.xml><?xml version="1.0" encoding="utf-8"?>
+<p:sld xmlns:a="http://schemas.openxmlformats.org/drawingml/2006/main" xmlns:r="http://schemas.openxmlformats.org/officeDocument/2006/relationships" xmlns:p="http://schemas.openxmlformats.org/presentationml/2006/main">
+  <p:cSld>
+    <p:spTree>
+      <p:nvGrpSpPr>
+        <p:cNvPr id="1" name=""/>
+        <p:cNvGrpSpPr/>
+        <p:nvPr/>
+      </p:nvGrpSpPr>
+      <p:grpSpPr>
+        <a:xfrm>
+          <a:off x="0" y="0"/>
+          <a:ext cx="0" cy="0"/>
+          <a:chOff x="0" y="0"/>
+          <a:chExt cx="0" cy="0"/>
+        </a:xfrm>
+      </p:grpSpPr>
+      <p:sp>
+        <p:nvSpPr>
+          <p:cNvPr id="2" name="Title 1"/>
+          <p:cNvSpPr>
+            <a:spLocks noGrp="1"/>
+          </p:cNvSpPr>
+          <p:nvPr>
+            <p:ph type="title"/>
+          </p:nvPr>
+        </p:nvSpPr>
+        <p:spPr/>
+        <p:txBody>
+          <a:bodyPr/>
+          <a:lstStyle/>
+          <a:p>
+            <a:endParaRPr lang="en-IE" dirty="0"/>
+          </a:p>
+        </p:txBody>
+      </p:sp>
+      <p:sp>
+        <p:nvSpPr>
+          <p:cNvPr id="3" name="Content Placeholder 2"/>
+          <p:cNvSpPr>
+            <a:spLocks noGrp="1"/>
+          </p:cNvSpPr>
+          <p:nvPr>
+            <p:ph idx="1"/>
+          </p:nvPr>
+        </p:nvSpPr>
+        <p:spPr/>
+        <p:txBody>
+          <a:bodyPr/>
+          <a:lstStyle/>
+          <a:p>
+            <a:r>
+              <a:rPr lang="en-IE" dirty="0" smtClean="0"/>
+              <a:t>School of </a:t>
+            </a:r>
+            <a:r>
+              <a:rPr lang="en-IE" dirty="0"/>
+              <a:t>Information </a:t>
+            </a:r>
+            <a:r>
+              <a:rPr lang="en-IE" dirty="0" smtClean="0"/>
+              <a:t>and Control Engineering, China University of Mining and Technology, Xuzhou</a:t>
+            </a:r>
+            <a:r>
+              <a:rPr lang="en-IE" dirty="0"/>
+              <a:t>, </a:t>
+            </a:r>
+            <a:r>
+              <a:rPr lang="en-IE" dirty="0" smtClean="0"/>
+              <a:t>China</a:t>
+            </a:r>
+          </a:p>
+          <a:p>
+            <a:r>
+              <a:rPr lang="en-IE" dirty="0" smtClean="0"/>
+              <a:t>Business </a:t>
+            </a:r>
+            <a:r>
+              <a:rPr lang="en-IE" dirty="0" smtClean="0"/>
+              <a:t>Analytics Centre, National University of </a:t>
+            </a:r>
+            <a:r>
+              <a:rPr lang="en-IE" dirty="0"/>
+              <a:t>Singapore, </a:t>
+            </a:r>
+            <a:r>
+              <a:rPr lang="en-IE" dirty="0" smtClean="0"/>
+              <a:t>Singapore</a:t>
+            </a:r>
+          </a:p>
+          <a:p>
+            <a:endParaRPr lang="en-US" dirty="0" smtClean="0"/>
+          </a:p>
+          <a:p>
+            <a:r>
+              <a:rPr lang="en-IE" dirty="0"/>
+              <a:t>Xing </a:t>
+            </a:r>
+            <a:r>
+              <a:rPr lang="en-IE" dirty="0" smtClean="0"/>
+              <a:t>Chen</a:t>
+            </a:r>
+          </a:p>
+        </p:txBody>
+      </p:sp>
+    </p:spTree>
+    <p:extLst>
+      <p:ext uri="{BB962C8B-B14F-4D97-AF65-F5344CB8AC3E}">
+        <p14:creationId xmlns:p14="http://schemas.microsoft.com/office/powerpoint/2010/main" val="1511495976"/>
+      </p:ext>
+    </p:extLst>
+  </p:cSld>
+  <p:clrMapOvr>
+    <a:masterClrMapping/>
+  </p:clrMapOvr>
+  <p:timing>
+    <p:tnLst>
+      <p:par>
+        <p:cTn id="1" dur="indefinite" restart="never" nodeType="tmRoot"/>
+      </p:par>
+    </p:tnLst>
+  </p:timing>
+</p:sld>
 </file>
 
 <file path=ppt/theme/theme1.xml><?xml version="1.0" encoding="utf-8"?>
